--- a/MOD3/Mod3_FinalProject/Mod3Project.pptx
+++ b/MOD3/Mod3_FinalProject/Mod3Project.pptx
@@ -4,12 +4,22 @@
   <p:sldMasterIdLst>
     <p:sldMasterId id="2147483648" r:id="rId1"/>
   </p:sldMasterIdLst>
+  <p:notesMasterIdLst>
+    <p:notesMasterId r:id="rId14"/>
+  </p:notesMasterIdLst>
   <p:sldIdLst>
     <p:sldId id="256" r:id="rId2"/>
-    <p:sldId id="257" r:id="rId3"/>
-    <p:sldId id="258" r:id="rId4"/>
-    <p:sldId id="259" r:id="rId5"/>
-    <p:sldId id="260" r:id="rId6"/>
+    <p:sldId id="258" r:id="rId3"/>
+    <p:sldId id="265" r:id="rId4"/>
+    <p:sldId id="257" r:id="rId5"/>
+    <p:sldId id="263" r:id="rId6"/>
+    <p:sldId id="266" r:id="rId7"/>
+    <p:sldId id="261" r:id="rId8"/>
+    <p:sldId id="262" r:id="rId9"/>
+    <p:sldId id="264" r:id="rId10"/>
+    <p:sldId id="260" r:id="rId11"/>
+    <p:sldId id="267" r:id="rId12"/>
+    <p:sldId id="259" r:id="rId13"/>
   </p:sldIdLst>
   <p:sldSz cx="12192000" cy="6858000"/>
   <p:notesSz cx="6858000" cy="9144000"/>
@@ -108,7 +118,456 @@
       </a:defRPr>
     </a:lvl9pPr>
   </p:defaultTextStyle>
+  <p:extLst>
+    <p:ext uri="{EFAFB233-063F-42B5-8137-9DF3F51BA10A}">
+      <p15:sldGuideLst xmlns:p15="http://schemas.microsoft.com/office/powerpoint/2012/main"/>
+    </p:ext>
+  </p:extLst>
 </p:presentation>
+</file>
+
+<file path=ppt/notesMasters/notesMaster1.xml><?xml version="1.0" encoding="utf-8"?>
+<p:notesMaster xmlns:a="http://schemas.openxmlformats.org/drawingml/2006/main" xmlns:r="http://schemas.openxmlformats.org/officeDocument/2006/relationships" xmlns:p="http://schemas.openxmlformats.org/presentationml/2006/main">
+  <p:cSld>
+    <p:bg>
+      <p:bgRef idx="1001">
+        <a:schemeClr val="bg1"/>
+      </p:bgRef>
+    </p:bg>
+    <p:spTree>
+      <p:nvGrpSpPr>
+        <p:cNvPr id="1" name=""/>
+        <p:cNvGrpSpPr/>
+        <p:nvPr/>
+      </p:nvGrpSpPr>
+      <p:grpSpPr>
+        <a:xfrm>
+          <a:off x="0" y="0"/>
+          <a:ext cx="0" cy="0"/>
+          <a:chOff x="0" y="0"/>
+          <a:chExt cx="0" cy="0"/>
+        </a:xfrm>
+      </p:grpSpPr>
+      <p:sp>
+        <p:nvSpPr>
+          <p:cNvPr id="2" name="Header Placeholder 1"/>
+          <p:cNvSpPr>
+            <a:spLocks noGrp="1"/>
+          </p:cNvSpPr>
+          <p:nvPr>
+            <p:ph type="hdr" sz="quarter"/>
+          </p:nvPr>
+        </p:nvSpPr>
+        <p:spPr>
+          <a:xfrm>
+            <a:off x="0" y="0"/>
+            <a:ext cx="2971800" cy="458788"/>
+          </a:xfrm>
+          <a:prstGeom prst="rect">
+            <a:avLst/>
+          </a:prstGeom>
+        </p:spPr>
+        <p:txBody>
+          <a:bodyPr vert="horz" lIns="91440" tIns="45720" rIns="91440" bIns="45720" rtlCol="0"/>
+          <a:lstStyle>
+            <a:lvl1pPr algn="l">
+              <a:defRPr sz="1200"/>
+            </a:lvl1pPr>
+          </a:lstStyle>
+          <a:p>
+            <a:endParaRPr lang="en-US"/>
+          </a:p>
+        </p:txBody>
+      </p:sp>
+      <p:sp>
+        <p:nvSpPr>
+          <p:cNvPr id="3" name="Date Placeholder 2"/>
+          <p:cNvSpPr>
+            <a:spLocks noGrp="1"/>
+          </p:cNvSpPr>
+          <p:nvPr>
+            <p:ph type="dt" idx="1"/>
+          </p:nvPr>
+        </p:nvSpPr>
+        <p:spPr>
+          <a:xfrm>
+            <a:off x="3884613" y="0"/>
+            <a:ext cx="2971800" cy="458788"/>
+          </a:xfrm>
+          <a:prstGeom prst="rect">
+            <a:avLst/>
+          </a:prstGeom>
+        </p:spPr>
+        <p:txBody>
+          <a:bodyPr vert="horz" lIns="91440" tIns="45720" rIns="91440" bIns="45720" rtlCol="0"/>
+          <a:lstStyle>
+            <a:lvl1pPr algn="r">
+              <a:defRPr sz="1200"/>
+            </a:lvl1pPr>
+          </a:lstStyle>
+          <a:p>
+            <a:fld id="{225519D8-EFBE-2842-B6FC-CC1D86EC7BB1}" type="datetimeFigureOut">
+              <a:rPr lang="en-US" smtClean="0"/>
+              <a:t>2/19/21</a:t>
+            </a:fld>
+            <a:endParaRPr lang="en-US"/>
+          </a:p>
+        </p:txBody>
+      </p:sp>
+      <p:sp>
+        <p:nvSpPr>
+          <p:cNvPr id="4" name="Slide Image Placeholder 3"/>
+          <p:cNvSpPr>
+            <a:spLocks noGrp="1" noRot="1" noChangeAspect="1"/>
+          </p:cNvSpPr>
+          <p:nvPr>
+            <p:ph type="sldImg" idx="2"/>
+          </p:nvPr>
+        </p:nvSpPr>
+        <p:spPr>
+          <a:xfrm>
+            <a:off x="685800" y="1143000"/>
+            <a:ext cx="5486400" cy="3086100"/>
+          </a:xfrm>
+          <a:prstGeom prst="rect">
+            <a:avLst/>
+          </a:prstGeom>
+          <a:noFill/>
+          <a:ln w="12700">
+            <a:solidFill>
+              <a:prstClr val="black"/>
+            </a:solidFill>
+          </a:ln>
+        </p:spPr>
+        <p:txBody>
+          <a:bodyPr vert="horz" lIns="91440" tIns="45720" rIns="91440" bIns="45720" rtlCol="0" anchor="ctr"/>
+          <a:lstStyle/>
+          <a:p>
+            <a:endParaRPr lang="en-US"/>
+          </a:p>
+        </p:txBody>
+      </p:sp>
+      <p:sp>
+        <p:nvSpPr>
+          <p:cNvPr id="5" name="Notes Placeholder 4"/>
+          <p:cNvSpPr>
+            <a:spLocks noGrp="1"/>
+          </p:cNvSpPr>
+          <p:nvPr>
+            <p:ph type="body" sz="quarter" idx="3"/>
+          </p:nvPr>
+        </p:nvSpPr>
+        <p:spPr>
+          <a:xfrm>
+            <a:off x="685800" y="4400550"/>
+            <a:ext cx="5486400" cy="3600450"/>
+          </a:xfrm>
+          <a:prstGeom prst="rect">
+            <a:avLst/>
+          </a:prstGeom>
+        </p:spPr>
+        <p:txBody>
+          <a:bodyPr vert="horz" lIns="91440" tIns="45720" rIns="91440" bIns="45720" rtlCol="0"/>
+          <a:lstStyle/>
+          <a:p>
+            <a:pPr lvl="0"/>
+            <a:r>
+              <a:rPr lang="en-US"/>
+              <a:t>Click to edit Master text styles</a:t>
+            </a:r>
+          </a:p>
+          <a:p>
+            <a:pPr lvl="1"/>
+            <a:r>
+              <a:rPr lang="en-US"/>
+              <a:t>Second level</a:t>
+            </a:r>
+          </a:p>
+          <a:p>
+            <a:pPr lvl="2"/>
+            <a:r>
+              <a:rPr lang="en-US"/>
+              <a:t>Third level</a:t>
+            </a:r>
+          </a:p>
+          <a:p>
+            <a:pPr lvl="3"/>
+            <a:r>
+              <a:rPr lang="en-US"/>
+              <a:t>Fourth level</a:t>
+            </a:r>
+          </a:p>
+          <a:p>
+            <a:pPr lvl="4"/>
+            <a:r>
+              <a:rPr lang="en-US"/>
+              <a:t>Fifth level</a:t>
+            </a:r>
+          </a:p>
+        </p:txBody>
+      </p:sp>
+      <p:sp>
+        <p:nvSpPr>
+          <p:cNvPr id="6" name="Footer Placeholder 5"/>
+          <p:cNvSpPr>
+            <a:spLocks noGrp="1"/>
+          </p:cNvSpPr>
+          <p:nvPr>
+            <p:ph type="ftr" sz="quarter" idx="4"/>
+          </p:nvPr>
+        </p:nvSpPr>
+        <p:spPr>
+          <a:xfrm>
+            <a:off x="0" y="8685213"/>
+            <a:ext cx="2971800" cy="458787"/>
+          </a:xfrm>
+          <a:prstGeom prst="rect">
+            <a:avLst/>
+          </a:prstGeom>
+        </p:spPr>
+        <p:txBody>
+          <a:bodyPr vert="horz" lIns="91440" tIns="45720" rIns="91440" bIns="45720" rtlCol="0" anchor="b"/>
+          <a:lstStyle>
+            <a:lvl1pPr algn="l">
+              <a:defRPr sz="1200"/>
+            </a:lvl1pPr>
+          </a:lstStyle>
+          <a:p>
+            <a:endParaRPr lang="en-US"/>
+          </a:p>
+        </p:txBody>
+      </p:sp>
+      <p:sp>
+        <p:nvSpPr>
+          <p:cNvPr id="7" name="Slide Number Placeholder 6"/>
+          <p:cNvSpPr>
+            <a:spLocks noGrp="1"/>
+          </p:cNvSpPr>
+          <p:nvPr>
+            <p:ph type="sldNum" sz="quarter" idx="5"/>
+          </p:nvPr>
+        </p:nvSpPr>
+        <p:spPr>
+          <a:xfrm>
+            <a:off x="3884613" y="8685213"/>
+            <a:ext cx="2971800" cy="458787"/>
+          </a:xfrm>
+          <a:prstGeom prst="rect">
+            <a:avLst/>
+          </a:prstGeom>
+        </p:spPr>
+        <p:txBody>
+          <a:bodyPr vert="horz" lIns="91440" tIns="45720" rIns="91440" bIns="45720" rtlCol="0" anchor="b"/>
+          <a:lstStyle>
+            <a:lvl1pPr algn="r">
+              <a:defRPr sz="1200"/>
+            </a:lvl1pPr>
+          </a:lstStyle>
+          <a:p>
+            <a:fld id="{85F1D970-4E82-FE45-964E-585052E793E6}" type="slidenum">
+              <a:rPr lang="en-US" smtClean="0"/>
+              <a:t>‹#›</a:t>
+            </a:fld>
+            <a:endParaRPr lang="en-US"/>
+          </a:p>
+        </p:txBody>
+      </p:sp>
+    </p:spTree>
+    <p:extLst>
+      <p:ext uri="{BB962C8B-B14F-4D97-AF65-F5344CB8AC3E}">
+        <p14:creationId xmlns:p14="http://schemas.microsoft.com/office/powerpoint/2010/main" val="2350128113"/>
+      </p:ext>
+    </p:extLst>
+  </p:cSld>
+  <p:clrMap bg1="lt1" tx1="dk1" bg2="lt2" tx2="dk2" accent1="accent1" accent2="accent2" accent3="accent3" accent4="accent4" accent5="accent5" accent6="accent6" hlink="hlink" folHlink="folHlink"/>
+  <p:notesStyle>
+    <a:lvl1pPr marL="0" algn="l" defTabSz="914400" rtl="0" eaLnBrk="1" latinLnBrk="0" hangingPunct="1">
+      <a:defRPr sz="1200" kern="1200">
+        <a:solidFill>
+          <a:schemeClr val="tx1"/>
+        </a:solidFill>
+        <a:latin typeface="+mn-lt"/>
+        <a:ea typeface="+mn-ea"/>
+        <a:cs typeface="+mn-cs"/>
+      </a:defRPr>
+    </a:lvl1pPr>
+    <a:lvl2pPr marL="457200" algn="l" defTabSz="914400" rtl="0" eaLnBrk="1" latinLnBrk="0" hangingPunct="1">
+      <a:defRPr sz="1200" kern="1200">
+        <a:solidFill>
+          <a:schemeClr val="tx1"/>
+        </a:solidFill>
+        <a:latin typeface="+mn-lt"/>
+        <a:ea typeface="+mn-ea"/>
+        <a:cs typeface="+mn-cs"/>
+      </a:defRPr>
+    </a:lvl2pPr>
+    <a:lvl3pPr marL="914400" algn="l" defTabSz="914400" rtl="0" eaLnBrk="1" latinLnBrk="0" hangingPunct="1">
+      <a:defRPr sz="1200" kern="1200">
+        <a:solidFill>
+          <a:schemeClr val="tx1"/>
+        </a:solidFill>
+        <a:latin typeface="+mn-lt"/>
+        <a:ea typeface="+mn-ea"/>
+        <a:cs typeface="+mn-cs"/>
+      </a:defRPr>
+    </a:lvl3pPr>
+    <a:lvl4pPr marL="1371600" algn="l" defTabSz="914400" rtl="0" eaLnBrk="1" latinLnBrk="0" hangingPunct="1">
+      <a:defRPr sz="1200" kern="1200">
+        <a:solidFill>
+          <a:schemeClr val="tx1"/>
+        </a:solidFill>
+        <a:latin typeface="+mn-lt"/>
+        <a:ea typeface="+mn-ea"/>
+        <a:cs typeface="+mn-cs"/>
+      </a:defRPr>
+    </a:lvl4pPr>
+    <a:lvl5pPr marL="1828800" algn="l" defTabSz="914400" rtl="0" eaLnBrk="1" latinLnBrk="0" hangingPunct="1">
+      <a:defRPr sz="1200" kern="1200">
+        <a:solidFill>
+          <a:schemeClr val="tx1"/>
+        </a:solidFill>
+        <a:latin typeface="+mn-lt"/>
+        <a:ea typeface="+mn-ea"/>
+        <a:cs typeface="+mn-cs"/>
+      </a:defRPr>
+    </a:lvl5pPr>
+    <a:lvl6pPr marL="2286000" algn="l" defTabSz="914400" rtl="0" eaLnBrk="1" latinLnBrk="0" hangingPunct="1">
+      <a:defRPr sz="1200" kern="1200">
+        <a:solidFill>
+          <a:schemeClr val="tx1"/>
+        </a:solidFill>
+        <a:latin typeface="+mn-lt"/>
+        <a:ea typeface="+mn-ea"/>
+        <a:cs typeface="+mn-cs"/>
+      </a:defRPr>
+    </a:lvl6pPr>
+    <a:lvl7pPr marL="2743200" algn="l" defTabSz="914400" rtl="0" eaLnBrk="1" latinLnBrk="0" hangingPunct="1">
+      <a:defRPr sz="1200" kern="1200">
+        <a:solidFill>
+          <a:schemeClr val="tx1"/>
+        </a:solidFill>
+        <a:latin typeface="+mn-lt"/>
+        <a:ea typeface="+mn-ea"/>
+        <a:cs typeface="+mn-cs"/>
+      </a:defRPr>
+    </a:lvl7pPr>
+    <a:lvl8pPr marL="3200400" algn="l" defTabSz="914400" rtl="0" eaLnBrk="1" latinLnBrk="0" hangingPunct="1">
+      <a:defRPr sz="1200" kern="1200">
+        <a:solidFill>
+          <a:schemeClr val="tx1"/>
+        </a:solidFill>
+        <a:latin typeface="+mn-lt"/>
+        <a:ea typeface="+mn-ea"/>
+        <a:cs typeface="+mn-cs"/>
+      </a:defRPr>
+    </a:lvl8pPr>
+    <a:lvl9pPr marL="3657600" algn="l" defTabSz="914400" rtl="0" eaLnBrk="1" latinLnBrk="0" hangingPunct="1">
+      <a:defRPr sz="1200" kern="1200">
+        <a:solidFill>
+          <a:schemeClr val="tx1"/>
+        </a:solidFill>
+        <a:latin typeface="+mn-lt"/>
+        <a:ea typeface="+mn-ea"/>
+        <a:cs typeface="+mn-cs"/>
+      </a:defRPr>
+    </a:lvl9pPr>
+  </p:notesStyle>
+</p:notesMaster>
+</file>
+
+<file path=ppt/notesSlides/notesSlide1.xml><?xml version="1.0" encoding="utf-8"?>
+<p:notes xmlns:a="http://schemas.openxmlformats.org/drawingml/2006/main" xmlns:r="http://schemas.openxmlformats.org/officeDocument/2006/relationships" xmlns:p="http://schemas.openxmlformats.org/presentationml/2006/main">
+  <p:cSld>
+    <p:spTree>
+      <p:nvGrpSpPr>
+        <p:cNvPr id="1" name=""/>
+        <p:cNvGrpSpPr/>
+        <p:nvPr/>
+      </p:nvGrpSpPr>
+      <p:grpSpPr>
+        <a:xfrm>
+          <a:off x="0" y="0"/>
+          <a:ext cx="0" cy="0"/>
+          <a:chOff x="0" y="0"/>
+          <a:chExt cx="0" cy="0"/>
+        </a:xfrm>
+      </p:grpSpPr>
+      <p:sp>
+        <p:nvSpPr>
+          <p:cNvPr id="2" name="Slide Image Placeholder 1"/>
+          <p:cNvSpPr>
+            <a:spLocks noGrp="1" noRot="1" noChangeAspect="1"/>
+          </p:cNvSpPr>
+          <p:nvPr>
+            <p:ph type="sldImg"/>
+          </p:nvPr>
+        </p:nvSpPr>
+        <p:spPr/>
+      </p:sp>
+      <p:sp>
+        <p:nvSpPr>
+          <p:cNvPr id="3" name="Notes Placeholder 2"/>
+          <p:cNvSpPr>
+            <a:spLocks noGrp="1"/>
+          </p:cNvSpPr>
+          <p:nvPr>
+            <p:ph type="body" idx="1"/>
+          </p:nvPr>
+        </p:nvSpPr>
+        <p:spPr/>
+        <p:txBody>
+          <a:bodyPr/>
+          <a:lstStyle/>
+          <a:p>
+            <a:r>
+              <a:rPr lang="en-US" dirty="0"/>
+              <a:t>Cross </a:t>
+            </a:r>
+            <a:r>
+              <a:rPr lang="en-US" dirty="0" err="1"/>
+              <a:t>val</a:t>
+            </a:r>
+            <a:r>
+              <a:rPr lang="en-US" dirty="0"/>
+              <a:t> 0.85, we can measure with 92% precision that the person in our model needs to money</a:t>
+            </a:r>
+          </a:p>
+        </p:txBody>
+      </p:sp>
+      <p:sp>
+        <p:nvSpPr>
+          <p:cNvPr id="4" name="Slide Number Placeholder 3"/>
+          <p:cNvSpPr>
+            <a:spLocks noGrp="1"/>
+          </p:cNvSpPr>
+          <p:nvPr>
+            <p:ph type="sldNum" sz="quarter" idx="5"/>
+          </p:nvPr>
+        </p:nvSpPr>
+        <p:spPr/>
+        <p:txBody>
+          <a:bodyPr/>
+          <a:lstStyle/>
+          <a:p>
+            <a:fld id="{85F1D970-4E82-FE45-964E-585052E793E6}" type="slidenum">
+              <a:rPr lang="en-US" smtClean="0"/>
+              <a:t>8</a:t>
+            </a:fld>
+            <a:endParaRPr lang="en-US"/>
+          </a:p>
+        </p:txBody>
+      </p:sp>
+    </p:spTree>
+    <p:extLst>
+      <p:ext uri="{BB962C8B-B14F-4D97-AF65-F5344CB8AC3E}">
+        <p14:creationId xmlns:p14="http://schemas.microsoft.com/office/powerpoint/2010/main" val="2959242984"/>
+      </p:ext>
+    </p:extLst>
+  </p:cSld>
+  <p:clrMapOvr>
+    <a:masterClrMapping/>
+  </p:clrMapOvr>
+</p:notes>
 </file>
 
 <file path=ppt/slideLayouts/slideLayout1.xml><?xml version="1.0" encoding="utf-8"?>
@@ -3341,37 +3800,22 @@
             <p:ph type="ctrTitle"/>
           </p:nvPr>
         </p:nvSpPr>
-        <p:spPr/>
-        <p:txBody>
-          <a:bodyPr/>
-          <a:lstStyle/>
-          <a:p>
-            <a:endParaRPr lang="en-US"/>
-          </a:p>
-        </p:txBody>
-      </p:sp>
-      <p:sp>
-        <p:nvSpPr>
-          <p:cNvPr id="3" name="Subtitle 2">
-            <a:extLst>
-              <a:ext uri="{FF2B5EF4-FFF2-40B4-BE49-F238E27FC236}">
-                <a16:creationId xmlns:a16="http://schemas.microsoft.com/office/drawing/2014/main" id="{D4C19DA0-2553-CA45-B427-45C4929E8EA4}"/>
-              </a:ext>
-            </a:extLst>
-          </p:cNvPr>
-          <p:cNvSpPr>
-            <a:spLocks noGrp="1"/>
-          </p:cNvSpPr>
-          <p:nvPr>
-            <p:ph type="subTitle" idx="1"/>
-          </p:nvPr>
-        </p:nvSpPr>
-        <p:spPr/>
-        <p:txBody>
-          <a:bodyPr/>
-          <a:lstStyle/>
-          <a:p>
-            <a:endParaRPr lang="en-US"/>
+        <p:spPr>
+          <a:xfrm>
+            <a:off x="1524000" y="2235200"/>
+            <a:ext cx="9144000" cy="2387600"/>
+          </a:xfrm>
+        </p:spPr>
+        <p:txBody>
+          <a:bodyPr>
+            <a:normAutofit fontScale="90000"/>
+          </a:bodyPr>
+          <a:lstStyle/>
+          <a:p>
+            <a:r>
+              <a:rPr lang="en-US" dirty="0"/>
+              <a:t>Using Machine Learning to Determine Who Should Get a Stimulus Check</a:t>
+            </a:r>
           </a:p>
         </p:txBody>
       </p:sp>
@@ -3379,6 +3823,301 @@
     <p:extLst>
       <p:ext uri="{BB962C8B-B14F-4D97-AF65-F5344CB8AC3E}">
         <p14:creationId xmlns:p14="http://schemas.microsoft.com/office/powerpoint/2010/main" val="995270372"/>
+      </p:ext>
+    </p:extLst>
+  </p:cSld>
+  <p:clrMapOvr>
+    <a:masterClrMapping/>
+  </p:clrMapOvr>
+</p:sld>
+</file>
+
+<file path=ppt/slides/slide10.xml><?xml version="1.0" encoding="utf-8"?>
+<p:sld xmlns:a="http://schemas.openxmlformats.org/drawingml/2006/main" xmlns:r="http://schemas.openxmlformats.org/officeDocument/2006/relationships" xmlns:p="http://schemas.openxmlformats.org/presentationml/2006/main">
+  <p:cSld>
+    <p:spTree>
+      <p:nvGrpSpPr>
+        <p:cNvPr id="1" name=""/>
+        <p:cNvGrpSpPr/>
+        <p:nvPr/>
+      </p:nvGrpSpPr>
+      <p:grpSpPr>
+        <a:xfrm>
+          <a:off x="0" y="0"/>
+          <a:ext cx="0" cy="0"/>
+          <a:chOff x="0" y="0"/>
+          <a:chExt cx="0" cy="0"/>
+        </a:xfrm>
+      </p:grpSpPr>
+      <p:sp>
+        <p:nvSpPr>
+          <p:cNvPr id="2" name="Title 1">
+            <a:extLst>
+              <a:ext uri="{FF2B5EF4-FFF2-40B4-BE49-F238E27FC236}">
+                <a16:creationId xmlns:a16="http://schemas.microsoft.com/office/drawing/2014/main" id="{A892848C-70D3-5041-B1EF-A34FC6AF41F9}"/>
+              </a:ext>
+            </a:extLst>
+          </p:cNvPr>
+          <p:cNvSpPr>
+            <a:spLocks noGrp="1"/>
+          </p:cNvSpPr>
+          <p:nvPr>
+            <p:ph type="title"/>
+          </p:nvPr>
+        </p:nvSpPr>
+        <p:spPr/>
+        <p:txBody>
+          <a:bodyPr/>
+          <a:lstStyle/>
+          <a:p>
+            <a:r>
+              <a:rPr lang="en-US" dirty="0"/>
+              <a:t>Future Recommendations</a:t>
+            </a:r>
+          </a:p>
+        </p:txBody>
+      </p:sp>
+      <p:sp>
+        <p:nvSpPr>
+          <p:cNvPr id="3" name="Content Placeholder 2">
+            <a:extLst>
+              <a:ext uri="{FF2B5EF4-FFF2-40B4-BE49-F238E27FC236}">
+                <a16:creationId xmlns:a16="http://schemas.microsoft.com/office/drawing/2014/main" id="{E7CCBF4F-F758-4C4A-B5BA-9440D83CC8AC}"/>
+              </a:ext>
+            </a:extLst>
+          </p:cNvPr>
+          <p:cNvSpPr>
+            <a:spLocks noGrp="1"/>
+          </p:cNvSpPr>
+          <p:nvPr>
+            <p:ph idx="1"/>
+          </p:nvPr>
+        </p:nvSpPr>
+        <p:spPr/>
+        <p:txBody>
+          <a:bodyPr>
+            <a:normAutofit lnSpcReduction="10000"/>
+          </a:bodyPr>
+          <a:lstStyle/>
+          <a:p>
+            <a:r>
+              <a:rPr lang="en-US" dirty="0"/>
+              <a:t>Feed next rounds of data into model to train, collect information relevant to industries of relevant today </a:t>
+            </a:r>
+            <a:r>
+              <a:rPr lang="en-US" dirty="0">
+                <a:sym typeface="Wingdings" pitchFamily="2" charset="2"/>
+              </a:rPr>
+              <a:t> clearer </a:t>
+            </a:r>
+          </a:p>
+          <a:p>
+            <a:r>
+              <a:rPr lang="en-US" dirty="0">
+                <a:sym typeface="Wingdings" pitchFamily="2" charset="2"/>
+              </a:rPr>
+              <a:t>Bin wage classes differently to assign different stimulus amounts based on wage classes</a:t>
+            </a:r>
+          </a:p>
+          <a:p>
+            <a:pPr lvl="1"/>
+            <a:r>
+              <a:rPr lang="en-US" dirty="0">
+                <a:sym typeface="Wingdings" pitchFamily="2" charset="2"/>
+              </a:rPr>
+              <a:t>Alternate analysis can also be done with respect to wage class  different factors might distinguish those in the 150k and up class vs 75k-90k  </a:t>
+            </a:r>
+            <a:r>
+              <a:rPr lang="en-US" dirty="0" err="1">
+                <a:sym typeface="Wingdings" pitchFamily="2" charset="2"/>
+              </a:rPr>
+              <a:t>zipcode</a:t>
+            </a:r>
+            <a:r>
+              <a:rPr lang="en-US" dirty="0">
+                <a:sym typeface="Wingdings" pitchFamily="2" charset="2"/>
+              </a:rPr>
+              <a:t> could segment the data  identify risk of being able to weather pandemic (vaccine selection)</a:t>
+            </a:r>
+          </a:p>
+          <a:p>
+            <a:r>
+              <a:rPr lang="en-US" dirty="0">
+                <a:sym typeface="Wingdings" pitchFamily="2" charset="2"/>
+              </a:rPr>
+              <a:t>Though not done in this study might be interesting to explore wage disparities by community / culture  if funds dispense at a state level, could prioritize support based on tiered approach [</a:t>
+            </a:r>
+            <a:r>
+              <a:rPr lang="en-US" dirty="0" err="1">
+                <a:sym typeface="Wingdings" pitchFamily="2" charset="2"/>
+              </a:rPr>
+              <a:t>zipcode</a:t>
+            </a:r>
+            <a:r>
+              <a:rPr lang="en-US" dirty="0">
+                <a:sym typeface="Wingdings" pitchFamily="2" charset="2"/>
+              </a:rPr>
+              <a:t>]</a:t>
+            </a:r>
+          </a:p>
+        </p:txBody>
+      </p:sp>
+    </p:spTree>
+    <p:extLst>
+      <p:ext uri="{BB962C8B-B14F-4D97-AF65-F5344CB8AC3E}">
+        <p14:creationId xmlns:p14="http://schemas.microsoft.com/office/powerpoint/2010/main" val="665076868"/>
+      </p:ext>
+    </p:extLst>
+  </p:cSld>
+  <p:clrMapOvr>
+    <a:masterClrMapping/>
+  </p:clrMapOvr>
+</p:sld>
+</file>
+
+<file path=ppt/slides/slide11.xml><?xml version="1.0" encoding="utf-8"?>
+<p:sld xmlns:a="http://schemas.openxmlformats.org/drawingml/2006/main" xmlns:r="http://schemas.openxmlformats.org/officeDocument/2006/relationships" xmlns:p="http://schemas.openxmlformats.org/presentationml/2006/main">
+  <p:cSld>
+    <p:spTree>
+      <p:nvGrpSpPr>
+        <p:cNvPr id="1" name=""/>
+        <p:cNvGrpSpPr/>
+        <p:nvPr/>
+      </p:nvGrpSpPr>
+      <p:grpSpPr>
+        <a:xfrm>
+          <a:off x="0" y="0"/>
+          <a:ext cx="0" cy="0"/>
+          <a:chOff x="0" y="0"/>
+          <a:chExt cx="0" cy="0"/>
+        </a:xfrm>
+      </p:grpSpPr>
+      <p:sp>
+        <p:nvSpPr>
+          <p:cNvPr id="2" name="Title 1">
+            <a:extLst>
+              <a:ext uri="{FF2B5EF4-FFF2-40B4-BE49-F238E27FC236}">
+                <a16:creationId xmlns:a16="http://schemas.microsoft.com/office/drawing/2014/main" id="{D4F48390-7776-B84E-8E07-900A6627A74C}"/>
+              </a:ext>
+            </a:extLst>
+          </p:cNvPr>
+          <p:cNvSpPr>
+            <a:spLocks noGrp="1"/>
+          </p:cNvSpPr>
+          <p:nvPr>
+            <p:ph type="title"/>
+          </p:nvPr>
+        </p:nvSpPr>
+        <p:spPr>
+          <a:xfrm>
+            <a:off x="2295267" y="2960044"/>
+            <a:ext cx="7601465" cy="1325563"/>
+          </a:xfrm>
+        </p:spPr>
+        <p:txBody>
+          <a:bodyPr/>
+          <a:lstStyle/>
+          <a:p>
+            <a:r>
+              <a:rPr lang="en-US" dirty="0"/>
+              <a:t>Thank you, what outstanding Questions do you have?</a:t>
+            </a:r>
+          </a:p>
+        </p:txBody>
+      </p:sp>
+    </p:spTree>
+    <p:extLst>
+      <p:ext uri="{BB962C8B-B14F-4D97-AF65-F5344CB8AC3E}">
+        <p14:creationId xmlns:p14="http://schemas.microsoft.com/office/powerpoint/2010/main" val="1997880454"/>
+      </p:ext>
+    </p:extLst>
+  </p:cSld>
+  <p:clrMapOvr>
+    <a:masterClrMapping/>
+  </p:clrMapOvr>
+</p:sld>
+</file>
+
+<file path=ppt/slides/slide12.xml><?xml version="1.0" encoding="utf-8"?>
+<p:sld xmlns:a="http://schemas.openxmlformats.org/drawingml/2006/main" xmlns:r="http://schemas.openxmlformats.org/officeDocument/2006/relationships" xmlns:p="http://schemas.openxmlformats.org/presentationml/2006/main">
+  <p:cSld>
+    <p:spTree>
+      <p:nvGrpSpPr>
+        <p:cNvPr id="1" name=""/>
+        <p:cNvGrpSpPr/>
+        <p:nvPr/>
+      </p:nvGrpSpPr>
+      <p:grpSpPr>
+        <a:xfrm>
+          <a:off x="0" y="0"/>
+          <a:ext cx="0" cy="0"/>
+          <a:chOff x="0" y="0"/>
+          <a:chExt cx="0" cy="0"/>
+        </a:xfrm>
+      </p:grpSpPr>
+      <p:sp>
+        <p:nvSpPr>
+          <p:cNvPr id="2" name="Title 1">
+            <a:extLst>
+              <a:ext uri="{FF2B5EF4-FFF2-40B4-BE49-F238E27FC236}">
+                <a16:creationId xmlns:a16="http://schemas.microsoft.com/office/drawing/2014/main" id="{A6BFA710-87D1-D644-87EF-F52CAD1E2182}"/>
+              </a:ext>
+            </a:extLst>
+          </p:cNvPr>
+          <p:cNvSpPr>
+            <a:spLocks noGrp="1"/>
+          </p:cNvSpPr>
+          <p:nvPr>
+            <p:ph type="title"/>
+          </p:nvPr>
+        </p:nvSpPr>
+        <p:spPr/>
+        <p:txBody>
+          <a:bodyPr/>
+          <a:lstStyle/>
+          <a:p>
+            <a:endParaRPr lang="en-US" dirty="0"/>
+          </a:p>
+        </p:txBody>
+      </p:sp>
+      <p:sp>
+        <p:nvSpPr>
+          <p:cNvPr id="3" name="Content Placeholder 2">
+            <a:extLst>
+              <a:ext uri="{FF2B5EF4-FFF2-40B4-BE49-F238E27FC236}">
+                <a16:creationId xmlns:a16="http://schemas.microsoft.com/office/drawing/2014/main" id="{3F200BA0-AAA7-7E45-9B68-AC05E6CB7D87}"/>
+              </a:ext>
+            </a:extLst>
+          </p:cNvPr>
+          <p:cNvSpPr>
+            <a:spLocks noGrp="1"/>
+          </p:cNvSpPr>
+          <p:nvPr>
+            <p:ph idx="1"/>
+          </p:nvPr>
+        </p:nvSpPr>
+        <p:spPr/>
+        <p:txBody>
+          <a:bodyPr/>
+          <a:lstStyle/>
+          <a:p>
+            <a:r>
+              <a:rPr lang="en-US" dirty="0"/>
+              <a:t>Takeaways: …confidence in people who receive it not needing it will feed the economy engine, in addition to those needing the support not becoming homeless which is inherently more expensive than the initial stimulus hit, and longer to recover from</a:t>
+            </a:r>
+          </a:p>
+          <a:p>
+            <a:r>
+              <a:rPr lang="en-US" dirty="0"/>
+              <a:t>Not going to use race</a:t>
+            </a:r>
+          </a:p>
+        </p:txBody>
+      </p:sp>
+    </p:spTree>
+    <p:extLst>
+      <p:ext uri="{BB962C8B-B14F-4D97-AF65-F5344CB8AC3E}">
+        <p14:creationId xmlns:p14="http://schemas.microsoft.com/office/powerpoint/2010/main" val="2319310075"/>
       </p:ext>
     </p:extLst>
   </p:cSld>
@@ -3410,7 +4149,7 @@
           <p:cNvPr id="2" name="Title 1">
             <a:extLst>
               <a:ext uri="{FF2B5EF4-FFF2-40B4-BE49-F238E27FC236}">
-                <a16:creationId xmlns:a16="http://schemas.microsoft.com/office/drawing/2014/main" id="{8391F699-37D2-3F4E-8389-8EE53EDA33A7}"/>
+                <a16:creationId xmlns:a16="http://schemas.microsoft.com/office/drawing/2014/main" id="{0BDCC3A7-B9C1-014F-928B-3AC9DF524D7D}"/>
               </a:ext>
             </a:extLst>
           </p:cNvPr>
@@ -3426,7 +4165,10 @@
           <a:bodyPr/>
           <a:lstStyle/>
           <a:p>
-            <a:endParaRPr lang="en-US"/>
+            <a:r>
+              <a:rPr lang="en-US" dirty="0"/>
+              <a:t>Business Problem</a:t>
+            </a:r>
           </a:p>
         </p:txBody>
       </p:sp>
@@ -3435,7 +4177,7 @@
           <p:cNvPr id="3" name="Content Placeholder 2">
             <a:extLst>
               <a:ext uri="{FF2B5EF4-FFF2-40B4-BE49-F238E27FC236}">
-                <a16:creationId xmlns:a16="http://schemas.microsoft.com/office/drawing/2014/main" id="{D598E09C-8468-D64A-A11B-822563FFCFC8}"/>
+                <a16:creationId xmlns:a16="http://schemas.microsoft.com/office/drawing/2014/main" id="{1A05818D-47A1-7D4F-A89D-4E6AF11E322C}"/>
               </a:ext>
             </a:extLst>
           </p:cNvPr>
@@ -3448,79 +4190,76 @@
         </p:nvSpPr>
         <p:spPr/>
         <p:txBody>
-          <a:bodyPr/>
-          <a:lstStyle/>
-          <a:p>
+          <a:bodyPr>
+            <a:normAutofit fontScale="92500"/>
+          </a:bodyPr>
+          <a:lstStyle/>
+          <a:p>
+            <a:pPr marL="0" indent="0">
+              <a:buNone/>
+            </a:pPr>
+            <a:r>
+              <a:rPr lang="en-US" b="1" dirty="0"/>
+              <a:t>Assumption*: </a:t>
+            </a:r>
             <a:r>
               <a:rPr lang="en-US" dirty="0"/>
-              <a:t>False Negative </a:t>
+              <a:t>citizens within/under defined income threshold will most benefit from stimulus check </a:t>
+            </a:r>
+          </a:p>
+          <a:p>
+            <a:r>
+              <a:rPr lang="en-US" dirty="0"/>
+              <a:t>Want a way to, in the absence a person’s immediate income, identify those citizens above* </a:t>
             </a:r>
             <a:r>
               <a:rPr lang="en-US" dirty="0">
                 <a:sym typeface="Wingdings" pitchFamily="2" charset="2"/>
               </a:rPr>
-              <a:t> you make under 50k [we’re wrong]</a:t>
+              <a:t> </a:t>
+            </a:r>
+            <a:r>
+              <a:rPr lang="en-US" b="1" dirty="0"/>
+              <a:t>[develop PERSON PROFILE based on weighted characteristics]</a:t>
+            </a:r>
+          </a:p>
+          <a:p>
+            <a:r>
+              <a:rPr lang="en-US" dirty="0"/>
+              <a:t>Machine learning algorithm can help us weight the most important characteristics associated with a person’s income for use under the following example circumstances:</a:t>
             </a:r>
           </a:p>
           <a:p>
             <a:pPr lvl="1"/>
             <a:r>
-              <a:rPr lang="en-US" dirty="0">
-                <a:sym typeface="Wingdings" pitchFamily="2" charset="2"/>
-              </a:rPr>
-              <a:t>Send check [less resources to allocate to others and support future programs]</a:t>
+              <a:rPr lang="en-US" dirty="0"/>
+              <a:t>Don’t have access to recent tax return</a:t>
             </a:r>
           </a:p>
           <a:p>
             <a:pPr lvl="1"/>
             <a:r>
-              <a:rPr lang="en-US" dirty="0">
-                <a:sym typeface="Wingdings" pitchFamily="2" charset="2"/>
-              </a:rPr>
-              <a:t>You use that check frivolously or contribute back to the economy</a:t>
-            </a:r>
-          </a:p>
-          <a:p>
-            <a:r>
-              <a:rPr lang="en-US" dirty="0">
-                <a:sym typeface="Wingdings" pitchFamily="2" charset="2"/>
-              </a:rPr>
-              <a:t>False Positive  you make over 50k [we’re wrong]  government budget is made up - let’s minimize this</a:t>
+              <a:rPr lang="en-US" dirty="0"/>
+              <a:t>Citizen’s immediate job/financial circumstances have changed </a:t>
             </a:r>
           </a:p>
           <a:p>
             <a:pPr lvl="1"/>
             <a:r>
-              <a:rPr lang="en-US" dirty="0">
-                <a:sym typeface="Wingdings" pitchFamily="2" charset="2"/>
-              </a:rPr>
-              <a:t>No check  puts you in a bind  homeless (cost more), lost job </a:t>
+              <a:rPr lang="en-US" dirty="0"/>
+              <a:t>Specific industries/communities have been affected by pandemic/natural disaster</a:t>
             </a:r>
           </a:p>
           <a:p>
             <a:pPr lvl="1"/>
-            <a:r>
-              <a:rPr lang="en-US" dirty="0">
-                <a:sym typeface="Wingdings" pitchFamily="2" charset="2"/>
-              </a:rPr>
-              <a:t>We have more resources to reallocate, but the time lost doesn’t help you pay your bills</a:t>
-            </a:r>
-          </a:p>
-          <a:p>
-            <a:pPr lvl="1"/>
-            <a:r>
-              <a:rPr lang="en-US" dirty="0">
-                <a:sym typeface="Wingdings" pitchFamily="2" charset="2"/>
-              </a:rPr>
-              <a:t>Enact policies to alleviate people who we’ve missed</a:t>
-            </a:r>
+            <a:endParaRPr lang="en-US" dirty="0"/>
           </a:p>
         </p:txBody>
       </p:sp>
     </p:spTree>
     <p:extLst>
       <p:ext uri="{BB962C8B-B14F-4D97-AF65-F5344CB8AC3E}">
-        <p14:creationId xmlns:p14="http://schemas.microsoft.com/office/powerpoint/2010/main" val="1285640853"/>
+        <p14:creationId xmlns:p14="http://schemas.microsoft.com/office/powerpoint/2010/main" val="3321485962"/>
       </p:ext>
     </p:extLst>
   </p:cSld>
@@ -3552,7 +4291,7 @@
           <p:cNvPr id="2" name="Title 1">
             <a:extLst>
               <a:ext uri="{FF2B5EF4-FFF2-40B4-BE49-F238E27FC236}">
-                <a16:creationId xmlns:a16="http://schemas.microsoft.com/office/drawing/2014/main" id="{0BDCC3A7-B9C1-014F-928B-3AC9DF524D7D}"/>
+                <a16:creationId xmlns:a16="http://schemas.microsoft.com/office/drawing/2014/main" id="{0BBAE9EA-A563-E046-A52D-6FFB6D0298D7}"/>
               </a:ext>
             </a:extLst>
           </p:cNvPr>
@@ -3570,7 +4309,7 @@
           <a:p>
             <a:r>
               <a:rPr lang="en-US" dirty="0"/>
-              <a:t>Business Problem</a:t>
+              <a:t>Questions</a:t>
             </a:r>
           </a:p>
         </p:txBody>
@@ -3580,7 +4319,7 @@
           <p:cNvPr id="3" name="Content Placeholder 2">
             <a:extLst>
               <a:ext uri="{FF2B5EF4-FFF2-40B4-BE49-F238E27FC236}">
-                <a16:creationId xmlns:a16="http://schemas.microsoft.com/office/drawing/2014/main" id="{1A05818D-47A1-7D4F-A89D-4E6AF11E322C}"/>
+                <a16:creationId xmlns:a16="http://schemas.microsoft.com/office/drawing/2014/main" id="{B54677EB-AFD7-D740-91C7-0F409583ECBD}"/>
               </a:ext>
             </a:extLst>
           </p:cNvPr>
@@ -3598,68 +4337,33 @@
           <a:p>
             <a:r>
               <a:rPr lang="en-US" dirty="0"/>
-              <a:t>Stimulus checks to address the bind COVID has us in</a:t>
+              <a:t>What factors contribute most to telling us who makes above 50k, least at risk without a stimulus check? What types of people need the most support based on?</a:t>
             </a:r>
           </a:p>
           <a:p>
             <a:r>
               <a:rPr lang="en-US" dirty="0"/>
-              <a:t>Machine learning algorithm to classify people who we should disperse stimulus to</a:t>
-            </a:r>
-          </a:p>
-          <a:p>
-            <a:pPr lvl="1"/>
+              <a:t>What is the highest precision we can get to minimize the false positives, where we assume a family can make it without a check but can’t?</a:t>
+            </a:r>
+          </a:p>
+          <a:p>
             <a:r>
               <a:rPr lang="en-US" dirty="0"/>
-              <a:t>Taxes aren’t in</a:t>
-            </a:r>
-          </a:p>
-          <a:p>
-            <a:pPr lvl="1"/>
+              <a:t>How do we minimize the overall cost / impact of the pandemic?</a:t>
+            </a:r>
+          </a:p>
+          <a:p>
             <a:r>
               <a:rPr lang="en-US" dirty="0"/>
-              <a:t>Immediate job circumstances changes for many </a:t>
-            </a:r>
-            <a:r>
-              <a:rPr lang="en-US" dirty="0" err="1"/>
-              <a:t>americans</a:t>
-            </a:r>
-            <a:r>
-              <a:rPr lang="en-US" dirty="0"/>
-              <a:t> </a:t>
-            </a:r>
-          </a:p>
-          <a:p>
-            <a:pPr lvl="1"/>
-            <a:r>
-              <a:rPr lang="en-US" dirty="0"/>
-              <a:t>Use UCI data set to see if we can identify factors that ID income level so we can prioritize helping those in need</a:t>
-            </a:r>
-          </a:p>
-          <a:p>
-            <a:pPr lvl="1"/>
-            <a:r>
-              <a:rPr lang="en-US" dirty="0"/>
-              <a:t>Minimize missing those in need (False positives </a:t>
-            </a:r>
-            <a:r>
-              <a:rPr lang="en-US" dirty="0">
-                <a:sym typeface="Wingdings" pitchFamily="2" charset="2"/>
-              </a:rPr>
-              <a:t> max precision)</a:t>
-            </a:r>
-            <a:endParaRPr lang="en-US" dirty="0"/>
-          </a:p>
-          <a:p>
-            <a:pPr lvl="1"/>
-            <a:endParaRPr lang="en-US" dirty="0"/>
+              <a:t>Is there an industry focus we should have? What industries should we focus on?</a:t>
+            </a:r>
           </a:p>
         </p:txBody>
       </p:sp>
     </p:spTree>
     <p:extLst>
       <p:ext uri="{BB962C8B-B14F-4D97-AF65-F5344CB8AC3E}">
-        <p14:creationId xmlns:p14="http://schemas.microsoft.com/office/powerpoint/2010/main" val="3321485962"/>
+        <p14:creationId xmlns:p14="http://schemas.microsoft.com/office/powerpoint/2010/main" val="3076217135"/>
       </p:ext>
     </p:extLst>
   </p:cSld>
@@ -3691,7 +4395,7 @@
           <p:cNvPr id="2" name="Title 1">
             <a:extLst>
               <a:ext uri="{FF2B5EF4-FFF2-40B4-BE49-F238E27FC236}">
-                <a16:creationId xmlns:a16="http://schemas.microsoft.com/office/drawing/2014/main" id="{A6BFA710-87D1-D644-87EF-F52CAD1E2182}"/>
+                <a16:creationId xmlns:a16="http://schemas.microsoft.com/office/drawing/2014/main" id="{8391F699-37D2-3F4E-8389-8EE53EDA33A7}"/>
               </a:ext>
             </a:extLst>
           </p:cNvPr>
@@ -3707,7 +4411,10 @@
           <a:bodyPr/>
           <a:lstStyle/>
           <a:p>
-            <a:endParaRPr lang="en-US"/>
+            <a:r>
+              <a:rPr lang="en-US" dirty="0"/>
+              <a:t>Consequences of Getting this Wrong</a:t>
+            </a:r>
           </a:p>
         </p:txBody>
       </p:sp>
@@ -3716,7 +4423,7 @@
           <p:cNvPr id="3" name="Content Placeholder 2">
             <a:extLst>
               <a:ext uri="{FF2B5EF4-FFF2-40B4-BE49-F238E27FC236}">
-                <a16:creationId xmlns:a16="http://schemas.microsoft.com/office/drawing/2014/main" id="{3F200BA0-AAA7-7E45-9B68-AC05E6CB7D87}"/>
+                <a16:creationId xmlns:a16="http://schemas.microsoft.com/office/drawing/2014/main" id="{D598E09C-8468-D64A-A11B-822563FFCFC8}"/>
               </a:ext>
             </a:extLst>
           </p:cNvPr>
@@ -3734,13 +4441,72 @@
           <a:p>
             <a:r>
               <a:rPr lang="en-US" dirty="0"/>
-              <a:t>Takeaways: use lower amount in initial stimulus check dispersal to cover as many people as possible, feed that data to train the model and increase amount as precision gets better…confidence in people who receive it not needing it will feed the economy engine, in addition to those needing the support not becoming homeless which is inherently more expensive than the initial stimulus hit, and longer to recover from</a:t>
-            </a:r>
-          </a:p>
-          <a:p>
-            <a:r>
-              <a:rPr lang="en-US" dirty="0"/>
-              <a:t>Not going to use race</a:t>
+              <a:t>False Negative </a:t>
+            </a:r>
+            <a:r>
+              <a:rPr lang="en-US" dirty="0">
+                <a:sym typeface="Wingdings" pitchFamily="2" charset="2"/>
+              </a:rPr>
+              <a:t> If we’re wrong about who makes under 50k </a:t>
+            </a:r>
+          </a:p>
+          <a:p>
+            <a:pPr lvl="1"/>
+            <a:r>
+              <a:rPr lang="en-US" dirty="0">
+                <a:sym typeface="Wingdings" pitchFamily="2" charset="2"/>
+              </a:rPr>
+              <a:t>Send check [less resources to allocate to others and support future programs]</a:t>
+            </a:r>
+          </a:p>
+          <a:p>
+            <a:pPr lvl="1"/>
+            <a:r>
+              <a:rPr lang="en-US" dirty="0">
+                <a:sym typeface="Wingdings" pitchFamily="2" charset="2"/>
+              </a:rPr>
+              <a:t>Citizens may use that check frivolously,  but contribute back to the economy</a:t>
+            </a:r>
+          </a:p>
+          <a:p>
+            <a:r>
+              <a:rPr lang="en-US" b="1" dirty="0">
+                <a:sym typeface="Wingdings" pitchFamily="2" charset="2"/>
+              </a:rPr>
+              <a:t>False Positive </a:t>
+            </a:r>
+            <a:r>
+              <a:rPr lang="en-US" dirty="0">
+                <a:sym typeface="Wingdings" pitchFamily="2" charset="2"/>
+              </a:rPr>
+              <a:t> If we’re wrong about who makes over over 50k [we’re wrong] </a:t>
+            </a:r>
+          </a:p>
+          <a:p>
+            <a:pPr lvl="1"/>
+            <a:r>
+              <a:rPr lang="en-US" dirty="0">
+                <a:sym typeface="Wingdings" pitchFamily="2" charset="2"/>
+              </a:rPr>
+              <a:t>No check  puts  citizens at risk of  homeless (cost more), lost job </a:t>
+            </a:r>
+          </a:p>
+          <a:p>
+            <a:pPr lvl="1"/>
+            <a:r>
+              <a:rPr lang="en-US" dirty="0">
+                <a:sym typeface="Wingdings" pitchFamily="2" charset="2"/>
+              </a:rPr>
+              <a:t>We have more resources to reallocate, but the time lost doesn’t help you pay your bills</a:t>
+            </a:r>
+          </a:p>
+          <a:p>
+            <a:pPr lvl="1"/>
+            <a:r>
+              <a:rPr lang="en-US" dirty="0">
+                <a:sym typeface="Wingdings" pitchFamily="2" charset="2"/>
+              </a:rPr>
+              <a:t>Enact policies to alleviate people who we’ve missed</a:t>
             </a:r>
           </a:p>
         </p:txBody>
@@ -3748,7 +4514,7 @@
     </p:spTree>
     <p:extLst>
       <p:ext uri="{BB962C8B-B14F-4D97-AF65-F5344CB8AC3E}">
-        <p14:creationId xmlns:p14="http://schemas.microsoft.com/office/powerpoint/2010/main" val="2319310075"/>
+        <p14:creationId xmlns:p14="http://schemas.microsoft.com/office/powerpoint/2010/main" val="1285640853"/>
       </p:ext>
     </p:extLst>
   </p:cSld>
@@ -3775,12 +4541,284 @@
           <a:chExt cx="0" cy="0"/>
         </a:xfrm>
       </p:grpSpPr>
+      <p:pic>
+        <p:nvPicPr>
+          <p:cNvPr id="3074" name="Picture 2">
+            <a:extLst>
+              <a:ext uri="{FF2B5EF4-FFF2-40B4-BE49-F238E27FC236}">
+                <a16:creationId xmlns:a16="http://schemas.microsoft.com/office/drawing/2014/main" id="{A29FA8DC-6243-024B-900F-FC7C174DE79F}"/>
+              </a:ext>
+            </a:extLst>
+          </p:cNvPr>
+          <p:cNvPicPr>
+            <a:picLocks noChangeAspect="1" noChangeArrowheads="1"/>
+          </p:cNvPicPr>
+          <p:nvPr/>
+        </p:nvPicPr>
+        <p:blipFill>
+          <a:blip r:embed="rId2">
+            <a:extLst>
+              <a:ext uri="{28A0092B-C50C-407E-A947-70E740481C1C}">
+                <a14:useLocalDpi xmlns:a14="http://schemas.microsoft.com/office/drawing/2010/main" val="0"/>
+              </a:ext>
+            </a:extLst>
+          </a:blip>
+          <a:srcRect/>
+          <a:stretch>
+            <a:fillRect/>
+          </a:stretch>
+        </p:blipFill>
+        <p:spPr bwMode="auto">
+          <a:xfrm>
+            <a:off x="580769" y="1633108"/>
+            <a:ext cx="6746502" cy="3396091"/>
+          </a:xfrm>
+          <a:prstGeom prst="rect">
+            <a:avLst/>
+          </a:prstGeom>
+          <a:noFill/>
+          <a:extLst>
+            <a:ext uri="{909E8E84-426E-40DD-AFC4-6F175D3DCCD1}">
+              <a14:hiddenFill xmlns:a14="http://schemas.microsoft.com/office/drawing/2010/main">
+                <a:solidFill>
+                  <a:srgbClr val="FFFFFF"/>
+                </a:solidFill>
+              </a14:hiddenFill>
+            </a:ext>
+          </a:extLst>
+        </p:spPr>
+      </p:pic>
+      <p:sp>
+        <p:nvSpPr>
+          <p:cNvPr id="5" name="TextBox 4">
+            <a:extLst>
+              <a:ext uri="{FF2B5EF4-FFF2-40B4-BE49-F238E27FC236}">
+                <a16:creationId xmlns:a16="http://schemas.microsoft.com/office/drawing/2014/main" id="{5462F11A-A0BB-854E-BD70-076AA4175851}"/>
+              </a:ext>
+            </a:extLst>
+          </p:cNvPr>
+          <p:cNvSpPr txBox="1"/>
+          <p:nvPr/>
+        </p:nvSpPr>
+        <p:spPr>
+          <a:xfrm>
+            <a:off x="592159" y="5425214"/>
+            <a:ext cx="6153664" cy="646331"/>
+          </a:xfrm>
+          <a:prstGeom prst="rect">
+            <a:avLst/>
+          </a:prstGeom>
+          <a:noFill/>
+        </p:spPr>
+        <p:txBody>
+          <a:bodyPr wrap="square" rtlCol="0">
+            <a:spAutoFit/>
+          </a:bodyPr>
+          <a:lstStyle/>
+          <a:p>
+            <a:pPr algn="ctr"/>
+            <a:r>
+              <a:rPr lang="en-US" dirty="0"/>
+              <a:t>The percentage of the population in dire need of the check coincides with age</a:t>
+            </a:r>
+          </a:p>
+        </p:txBody>
+      </p:sp>
+      <p:pic>
+        <p:nvPicPr>
+          <p:cNvPr id="3076" name="Picture 4">
+            <a:extLst>
+              <a:ext uri="{FF2B5EF4-FFF2-40B4-BE49-F238E27FC236}">
+                <a16:creationId xmlns:a16="http://schemas.microsoft.com/office/drawing/2014/main" id="{DF201A01-B6FD-5C4A-A179-89AC823C6E3C}"/>
+              </a:ext>
+            </a:extLst>
+          </p:cNvPr>
+          <p:cNvPicPr>
+            <a:picLocks noChangeAspect="1" noChangeArrowheads="1"/>
+          </p:cNvPicPr>
+          <p:nvPr/>
+        </p:nvPicPr>
+        <p:blipFill>
+          <a:blip r:embed="rId3">
+            <a:extLst>
+              <a:ext uri="{28A0092B-C50C-407E-A947-70E740481C1C}">
+                <a14:useLocalDpi xmlns:a14="http://schemas.microsoft.com/office/drawing/2010/main" val="0"/>
+              </a:ext>
+            </a:extLst>
+          </a:blip>
+          <a:srcRect/>
+          <a:stretch>
+            <a:fillRect/>
+          </a:stretch>
+        </p:blipFill>
+        <p:spPr bwMode="auto">
+          <a:xfrm>
+            <a:off x="7361476" y="1943700"/>
+            <a:ext cx="4249755" cy="2970600"/>
+          </a:xfrm>
+          <a:prstGeom prst="rect">
+            <a:avLst/>
+          </a:prstGeom>
+          <a:noFill/>
+          <a:extLst>
+            <a:ext uri="{909E8E84-426E-40DD-AFC4-6F175D3DCCD1}">
+              <a14:hiddenFill xmlns:a14="http://schemas.microsoft.com/office/drawing/2010/main">
+                <a:solidFill>
+                  <a:srgbClr val="FFFFFF"/>
+                </a:solidFill>
+              </a14:hiddenFill>
+            </a:ext>
+          </a:extLst>
+        </p:spPr>
+      </p:pic>
+    </p:spTree>
+    <p:extLst>
+      <p:ext uri="{BB962C8B-B14F-4D97-AF65-F5344CB8AC3E}">
+        <p14:creationId xmlns:p14="http://schemas.microsoft.com/office/powerpoint/2010/main" val="2363875252"/>
+      </p:ext>
+    </p:extLst>
+  </p:cSld>
+  <p:clrMapOvr>
+    <a:masterClrMapping/>
+  </p:clrMapOvr>
+</p:sld>
+</file>
+
+<file path=ppt/slides/slide6.xml><?xml version="1.0" encoding="utf-8"?>
+<p:sld xmlns:a="http://schemas.openxmlformats.org/drawingml/2006/main" xmlns:r="http://schemas.openxmlformats.org/officeDocument/2006/relationships" xmlns:p="http://schemas.openxmlformats.org/presentationml/2006/main">
+  <p:cSld>
+    <p:spTree>
+      <p:nvGrpSpPr>
+        <p:cNvPr id="1" name=""/>
+        <p:cNvGrpSpPr/>
+        <p:nvPr/>
+      </p:nvGrpSpPr>
+      <p:grpSpPr>
+        <a:xfrm>
+          <a:off x="0" y="0"/>
+          <a:ext cx="0" cy="0"/>
+          <a:chOff x="0" y="0"/>
+          <a:chExt cx="0" cy="0"/>
+        </a:xfrm>
+      </p:grpSpPr>
+      <p:pic>
+        <p:nvPicPr>
+          <p:cNvPr id="4098" name="Picture 2">
+            <a:extLst>
+              <a:ext uri="{FF2B5EF4-FFF2-40B4-BE49-F238E27FC236}">
+                <a16:creationId xmlns:a16="http://schemas.microsoft.com/office/drawing/2014/main" id="{DF28447B-7B83-1847-8A76-67E4D91086BB}"/>
+              </a:ext>
+            </a:extLst>
+          </p:cNvPr>
+          <p:cNvPicPr>
+            <a:picLocks noChangeAspect="1" noChangeArrowheads="1"/>
+          </p:cNvPicPr>
+          <p:nvPr/>
+        </p:nvPicPr>
+        <p:blipFill>
+          <a:blip r:embed="rId2">
+            <a:extLst>
+              <a:ext uri="{28A0092B-C50C-407E-A947-70E740481C1C}">
+                <a14:useLocalDpi xmlns:a14="http://schemas.microsoft.com/office/drawing/2010/main" val="0"/>
+              </a:ext>
+            </a:extLst>
+          </a:blip>
+          <a:srcRect/>
+          <a:stretch>
+            <a:fillRect/>
+          </a:stretch>
+        </p:blipFill>
+        <p:spPr bwMode="auto">
+          <a:xfrm>
+            <a:off x="2339891" y="568409"/>
+            <a:ext cx="7079969" cy="4920907"/>
+          </a:xfrm>
+          <a:prstGeom prst="rect">
+            <a:avLst/>
+          </a:prstGeom>
+          <a:noFill/>
+          <a:extLst>
+            <a:ext uri="{909E8E84-426E-40DD-AFC4-6F175D3DCCD1}">
+              <a14:hiddenFill xmlns:a14="http://schemas.microsoft.com/office/drawing/2010/main">
+                <a:solidFill>
+                  <a:srgbClr val="FFFFFF"/>
+                </a:solidFill>
+              </a14:hiddenFill>
+            </a:ext>
+          </a:extLst>
+        </p:spPr>
+      </p:pic>
+      <p:sp>
+        <p:nvSpPr>
+          <p:cNvPr id="4" name="TextBox 3">
+            <a:extLst>
+              <a:ext uri="{FF2B5EF4-FFF2-40B4-BE49-F238E27FC236}">
+                <a16:creationId xmlns:a16="http://schemas.microsoft.com/office/drawing/2014/main" id="{9DB2F041-E94B-BF45-83AB-B9191B74AE2A}"/>
+              </a:ext>
+            </a:extLst>
+          </p:cNvPr>
+          <p:cNvSpPr txBox="1"/>
+          <p:nvPr/>
+        </p:nvSpPr>
+        <p:spPr>
+          <a:xfrm>
+            <a:off x="2339891" y="5643260"/>
+            <a:ext cx="8279027" cy="646331"/>
+          </a:xfrm>
+          <a:prstGeom prst="rect">
+            <a:avLst/>
+          </a:prstGeom>
+          <a:noFill/>
+        </p:spPr>
+        <p:txBody>
+          <a:bodyPr wrap="square" rtlCol="0">
+            <a:spAutoFit/>
+          </a:bodyPr>
+          <a:lstStyle/>
+          <a:p>
+            <a:r>
+              <a:rPr lang="en-US" dirty="0"/>
+              <a:t>A focus on private industry gives the highest opportunity to address the 75% of the population that makes less than 50K</a:t>
+            </a:r>
+          </a:p>
+        </p:txBody>
+      </p:sp>
+    </p:spTree>
+    <p:extLst>
+      <p:ext uri="{BB962C8B-B14F-4D97-AF65-F5344CB8AC3E}">
+        <p14:creationId xmlns:p14="http://schemas.microsoft.com/office/powerpoint/2010/main" val="2731875263"/>
+      </p:ext>
+    </p:extLst>
+  </p:cSld>
+  <p:clrMapOvr>
+    <a:masterClrMapping/>
+  </p:clrMapOvr>
+</p:sld>
+</file>
+
+<file path=ppt/slides/slide7.xml><?xml version="1.0" encoding="utf-8"?>
+<p:sld xmlns:a="http://schemas.openxmlformats.org/drawingml/2006/main" xmlns:r="http://schemas.openxmlformats.org/officeDocument/2006/relationships" xmlns:p="http://schemas.openxmlformats.org/presentationml/2006/main">
+  <p:cSld>
+    <p:spTree>
+      <p:nvGrpSpPr>
+        <p:cNvPr id="1" name=""/>
+        <p:cNvGrpSpPr/>
+        <p:nvPr/>
+      </p:nvGrpSpPr>
+      <p:grpSpPr>
+        <a:xfrm>
+          <a:off x="0" y="0"/>
+          <a:ext cx="0" cy="0"/>
+          <a:chOff x="0" y="0"/>
+          <a:chExt cx="0" cy="0"/>
+        </a:xfrm>
+      </p:grpSpPr>
       <p:sp>
         <p:nvSpPr>
           <p:cNvPr id="2" name="Title 1">
             <a:extLst>
               <a:ext uri="{FF2B5EF4-FFF2-40B4-BE49-F238E27FC236}">
-                <a16:creationId xmlns:a16="http://schemas.microsoft.com/office/drawing/2014/main" id="{A892848C-70D3-5041-B1EF-A34FC6AF41F9}"/>
+                <a16:creationId xmlns:a16="http://schemas.microsoft.com/office/drawing/2014/main" id="{0C3F73CC-168C-B549-9319-8E6F9C15365D}"/>
               </a:ext>
             </a:extLst>
           </p:cNvPr>
@@ -3791,110 +4829,740 @@
             <p:ph type="title"/>
           </p:nvPr>
         </p:nvSpPr>
-        <p:spPr/>
+        <p:spPr>
+          <a:xfrm>
+            <a:off x="975000" y="4834709"/>
+            <a:ext cx="10515600" cy="1325563"/>
+          </a:xfrm>
+        </p:spPr>
+        <p:txBody>
+          <a:bodyPr>
+            <a:normAutofit/>
+          </a:bodyPr>
+          <a:lstStyle/>
+          <a:p>
+            <a:r>
+              <a:rPr lang="en-US" sz="1600" dirty="0"/>
+              <a:t>UCI Data Set this is based may not accurately represent our population today, but some of the characteristics it takes into account might still be relevant</a:t>
+            </a:r>
+          </a:p>
+        </p:txBody>
+      </p:sp>
+      <p:pic>
+        <p:nvPicPr>
+          <p:cNvPr id="1026" name="Picture 2" descr="Image result for us demographics 1994 by race">
+            <a:extLst>
+              <a:ext uri="{FF2B5EF4-FFF2-40B4-BE49-F238E27FC236}">
+                <a16:creationId xmlns:a16="http://schemas.microsoft.com/office/drawing/2014/main" id="{09A9EF42-FFF5-5542-B0FC-B774AE3E5AC5}"/>
+              </a:ext>
+            </a:extLst>
+          </p:cNvPr>
+          <p:cNvPicPr>
+            <a:picLocks noChangeAspect="1" noChangeArrowheads="1"/>
+          </p:cNvPicPr>
+          <p:nvPr/>
+        </p:nvPicPr>
+        <p:blipFill>
+          <a:blip r:embed="rId2">
+            <a:extLst>
+              <a:ext uri="{28A0092B-C50C-407E-A947-70E740481C1C}">
+                <a14:useLocalDpi xmlns:a14="http://schemas.microsoft.com/office/drawing/2010/main" val="0"/>
+              </a:ext>
+            </a:extLst>
+          </a:blip>
+          <a:srcRect/>
+          <a:stretch>
+            <a:fillRect/>
+          </a:stretch>
+        </p:blipFill>
+        <p:spPr bwMode="auto">
+          <a:xfrm>
+            <a:off x="7154732" y="808938"/>
+            <a:ext cx="4249370" cy="3782026"/>
+          </a:xfrm>
+          <a:prstGeom prst="rect">
+            <a:avLst/>
+          </a:prstGeom>
+          <a:noFill/>
+          <a:extLst>
+            <a:ext uri="{909E8E84-426E-40DD-AFC4-6F175D3DCCD1}">
+              <a14:hiddenFill xmlns:a14="http://schemas.microsoft.com/office/drawing/2010/main">
+                <a:solidFill>
+                  <a:srgbClr val="FFFFFF"/>
+                </a:solidFill>
+              </a14:hiddenFill>
+            </a:ext>
+          </a:extLst>
+        </p:spPr>
+      </p:pic>
+      <p:pic>
+        <p:nvPicPr>
+          <p:cNvPr id="1028" name="Picture 4">
+            <a:extLst>
+              <a:ext uri="{FF2B5EF4-FFF2-40B4-BE49-F238E27FC236}">
+                <a16:creationId xmlns:a16="http://schemas.microsoft.com/office/drawing/2014/main" id="{55C889C5-23F7-7145-A249-A1A9CCB0FF39}"/>
+              </a:ext>
+            </a:extLst>
+          </p:cNvPr>
+          <p:cNvPicPr>
+            <a:picLocks noChangeAspect="1" noChangeArrowheads="1"/>
+          </p:cNvPicPr>
+          <p:nvPr/>
+        </p:nvPicPr>
+        <p:blipFill>
+          <a:blip r:embed="rId3">
+            <a:extLst>
+              <a:ext uri="{28A0092B-C50C-407E-A947-70E740481C1C}">
+                <a14:useLocalDpi xmlns:a14="http://schemas.microsoft.com/office/drawing/2010/main" val="0"/>
+              </a:ext>
+            </a:extLst>
+          </a:blip>
+          <a:srcRect/>
+          <a:stretch>
+            <a:fillRect/>
+          </a:stretch>
+        </p:blipFill>
+        <p:spPr bwMode="auto">
+          <a:xfrm>
+            <a:off x="882465" y="383445"/>
+            <a:ext cx="5602749" cy="4451264"/>
+          </a:xfrm>
+          <a:prstGeom prst="rect">
+            <a:avLst/>
+          </a:prstGeom>
+          <a:noFill/>
+          <a:extLst>
+            <a:ext uri="{909E8E84-426E-40DD-AFC4-6F175D3DCCD1}">
+              <a14:hiddenFill xmlns:a14="http://schemas.microsoft.com/office/drawing/2010/main">
+                <a:solidFill>
+                  <a:srgbClr val="FFFFFF"/>
+                </a:solidFill>
+              </a14:hiddenFill>
+            </a:ext>
+          </a:extLst>
+        </p:spPr>
+      </p:pic>
+    </p:spTree>
+    <p:extLst>
+      <p:ext uri="{BB962C8B-B14F-4D97-AF65-F5344CB8AC3E}">
+        <p14:creationId xmlns:p14="http://schemas.microsoft.com/office/powerpoint/2010/main" val="2270895336"/>
+      </p:ext>
+    </p:extLst>
+  </p:cSld>
+  <p:clrMapOvr>
+    <a:masterClrMapping/>
+  </p:clrMapOvr>
+</p:sld>
+</file>
+
+<file path=ppt/slides/slide8.xml><?xml version="1.0" encoding="utf-8"?>
+<p:sld xmlns:a="http://schemas.openxmlformats.org/drawingml/2006/main" xmlns:r="http://schemas.openxmlformats.org/officeDocument/2006/relationships" xmlns:p="http://schemas.openxmlformats.org/presentationml/2006/main">
+  <p:cSld>
+    <p:spTree>
+      <p:nvGrpSpPr>
+        <p:cNvPr id="1" name=""/>
+        <p:cNvGrpSpPr/>
+        <p:nvPr/>
+      </p:nvGrpSpPr>
+      <p:grpSpPr>
+        <a:xfrm>
+          <a:off x="0" y="0"/>
+          <a:ext cx="0" cy="0"/>
+          <a:chOff x="0" y="0"/>
+          <a:chExt cx="0" cy="0"/>
+        </a:xfrm>
+      </p:grpSpPr>
+      <p:sp>
+        <p:nvSpPr>
+          <p:cNvPr id="2" name="Title 1">
+            <a:extLst>
+              <a:ext uri="{FF2B5EF4-FFF2-40B4-BE49-F238E27FC236}">
+                <a16:creationId xmlns:a16="http://schemas.microsoft.com/office/drawing/2014/main" id="{5B3BDCAB-8024-684E-BBDE-825BC3D5DDE0}"/>
+              </a:ext>
+            </a:extLst>
+          </p:cNvPr>
+          <p:cNvSpPr>
+            <a:spLocks noGrp="1"/>
+          </p:cNvSpPr>
+          <p:nvPr>
+            <p:ph type="title"/>
+          </p:nvPr>
+        </p:nvSpPr>
+        <p:spPr>
+          <a:xfrm>
+            <a:off x="120002" y="74177"/>
+            <a:ext cx="10515600" cy="1325563"/>
+          </a:xfrm>
+        </p:spPr>
         <p:txBody>
           <a:bodyPr/>
           <a:lstStyle/>
           <a:p>
             <a:r>
               <a:rPr lang="en-US" dirty="0"/>
-              <a:t>Future Recommendations</a:t>
-            </a:r>
-          </a:p>
-        </p:txBody>
-      </p:sp>
-      <p:sp>
-        <p:nvSpPr>
-          <p:cNvPr id="3" name="Content Placeholder 2">
-            <a:extLst>
-              <a:ext uri="{FF2B5EF4-FFF2-40B4-BE49-F238E27FC236}">
-                <a16:creationId xmlns:a16="http://schemas.microsoft.com/office/drawing/2014/main" id="{E7CCBF4F-F758-4C4A-B5BA-9440D83CC8AC}"/>
-              </a:ext>
-            </a:extLst>
-          </p:cNvPr>
-          <p:cNvSpPr>
-            <a:spLocks noGrp="1"/>
-          </p:cNvSpPr>
-          <p:nvPr>
-            <p:ph idx="1"/>
-          </p:nvPr>
-        </p:nvSpPr>
-        <p:spPr/>
-        <p:txBody>
-          <a:bodyPr>
-            <a:normAutofit lnSpcReduction="10000"/>
+              <a:t>Model Performance</a:t>
+            </a:r>
+          </a:p>
+        </p:txBody>
+      </p:sp>
+      <p:pic>
+        <p:nvPicPr>
+          <p:cNvPr id="5" name="Picture 4" descr="Chart&#10;&#10;Description automatically generated">
+            <a:extLst>
+              <a:ext uri="{FF2B5EF4-FFF2-40B4-BE49-F238E27FC236}">
+                <a16:creationId xmlns:a16="http://schemas.microsoft.com/office/drawing/2014/main" id="{1AE207F9-1FDF-9C4F-BD36-F4A3912BBAEF}"/>
+              </a:ext>
+            </a:extLst>
+          </p:cNvPr>
+          <p:cNvPicPr>
+            <a:picLocks noChangeAspect="1"/>
+          </p:cNvPicPr>
+          <p:nvPr/>
+        </p:nvPicPr>
+        <p:blipFill rotWithShape="1">
+          <a:blip r:embed="rId3"/>
+          <a:srcRect t="33434"/>
+          <a:stretch/>
+        </p:blipFill>
+        <p:spPr>
+          <a:xfrm>
+            <a:off x="5377802" y="3209498"/>
+            <a:ext cx="6620348" cy="3546033"/>
+          </a:xfrm>
+          <a:prstGeom prst="rect">
+            <a:avLst/>
+          </a:prstGeom>
+        </p:spPr>
+      </p:pic>
+      <p:sp>
+        <p:nvSpPr>
+          <p:cNvPr id="9" name="TextBox 8">
+            <a:extLst>
+              <a:ext uri="{FF2B5EF4-FFF2-40B4-BE49-F238E27FC236}">
+                <a16:creationId xmlns:a16="http://schemas.microsoft.com/office/drawing/2014/main" id="{F98CDF2A-4173-7749-ACEC-4372D1A58ED0}"/>
+              </a:ext>
+            </a:extLst>
+          </p:cNvPr>
+          <p:cNvSpPr txBox="1"/>
+          <p:nvPr/>
+        </p:nvSpPr>
+        <p:spPr>
+          <a:xfrm>
+            <a:off x="0" y="4079363"/>
+            <a:ext cx="5585254" cy="1200329"/>
+          </a:xfrm>
+          <a:prstGeom prst="rect">
+            <a:avLst/>
+          </a:prstGeom>
+          <a:noFill/>
+        </p:spPr>
+        <p:txBody>
+          <a:bodyPr wrap="square" rtlCol="0">
+            <a:spAutoFit/>
           </a:bodyPr>
           <a:lstStyle/>
           <a:p>
             <a:r>
               <a:rPr lang="en-US" dirty="0"/>
-              <a:t>Feed next rounds of data into model to train, collect information relevant to industries of relevant today </a:t>
+              <a:t>All Models listed can have variable cross-Validation rates x</a:t>
             </a:r>
             <a:r>
               <a:rPr lang="en-US" dirty="0">
                 <a:sym typeface="Wingdings" pitchFamily="2" charset="2"/>
               </a:rPr>
-              <a:t> clearer </a:t>
-            </a:r>
-          </a:p>
-          <a:p>
+              <a:t> evaluator of overfit/underfitting of mode</a:t>
+            </a:r>
+          </a:p>
+          <a:p>
+            <a:pPr marL="285750" indent="-285750">
+              <a:buFont typeface="Arial" panose="020B0604020202020204" pitchFamily="34" charset="0"/>
+              <a:buChar char="•"/>
+            </a:pPr>
             <a:r>
               <a:rPr lang="en-US" dirty="0">
                 <a:sym typeface="Wingdings" pitchFamily="2" charset="2"/>
               </a:rPr>
-              <a:t>Bin wage classes differently to assign different stimulus amounts based on wage classes</a:t>
-            </a:r>
-          </a:p>
-          <a:p>
-            <a:pPr lvl="1"/>
+              <a:t>Can be improved with better feature engineering</a:t>
+            </a:r>
+          </a:p>
+          <a:p>
+            <a:pPr marL="285750" indent="-285750">
+              <a:buFont typeface="Arial" panose="020B0604020202020204" pitchFamily="34" charset="0"/>
+              <a:buChar char="•"/>
+            </a:pPr>
             <a:r>
               <a:rPr lang="en-US" dirty="0">
                 <a:sym typeface="Wingdings" pitchFamily="2" charset="2"/>
               </a:rPr>
-              <a:t>Alternate analysis can also be done with respect to wage class  different factors might distinguish those in the 150k and up class vs 75k-90k  </a:t>
-            </a:r>
-            <a:r>
-              <a:rPr lang="en-US" dirty="0" err="1">
+              <a:t>Wouldn’t trust </a:t>
+            </a:r>
+            <a:r>
+              <a:rPr lang="en-US" dirty="0">
+                <a:solidFill>
+                  <a:srgbClr val="FF0000"/>
+                </a:solidFill>
                 <a:sym typeface="Wingdings" pitchFamily="2" charset="2"/>
               </a:rPr>
-              <a:t>zipcode</a:t>
-            </a:r>
-            <a:r>
-              <a:rPr lang="en-US" dirty="0">
-                <a:sym typeface="Wingdings" pitchFamily="2" charset="2"/>
-              </a:rPr>
-              <a:t> could segment the data  identify risk of being able to weather pandemic (vaccine selection)</a:t>
-            </a:r>
-          </a:p>
-          <a:p>
-            <a:r>
-              <a:rPr lang="en-US" dirty="0">
-                <a:sym typeface="Wingdings" pitchFamily="2" charset="2"/>
-              </a:rPr>
-              <a:t>Though not done in this study might be interesting to explore wage disparities by community / culture  if funds dispense at a state level, could prioritize support based on tiered approach [</a:t>
-            </a:r>
-            <a:r>
-              <a:rPr lang="en-US" dirty="0" err="1">
-                <a:sym typeface="Wingdings" pitchFamily="2" charset="2"/>
-              </a:rPr>
-              <a:t>zipcode</a:t>
-            </a:r>
-            <a:r>
-              <a:rPr lang="en-US">
-                <a:sym typeface="Wingdings" pitchFamily="2" charset="2"/>
-              </a:rPr>
-              <a:t>]</a:t>
+              <a:t>score &lt; 0.7</a:t>
             </a:r>
             <a:endParaRPr lang="en-US" dirty="0">
-              <a:sym typeface="Wingdings" pitchFamily="2" charset="2"/>
+              <a:solidFill>
+                <a:srgbClr val="FF0000"/>
+              </a:solidFill>
             </a:endParaRPr>
           </a:p>
         </p:txBody>
       </p:sp>
+      <p:graphicFrame>
+        <p:nvGraphicFramePr>
+          <p:cNvPr id="10" name="Table 8">
+            <a:extLst>
+              <a:ext uri="{FF2B5EF4-FFF2-40B4-BE49-F238E27FC236}">
+                <a16:creationId xmlns:a16="http://schemas.microsoft.com/office/drawing/2014/main" id="{C2447F19-DFE8-244E-9420-A664C5DB20F2}"/>
+              </a:ext>
+            </a:extLst>
+          </p:cNvPr>
+          <p:cNvGraphicFramePr>
+            <a:graphicFrameLocks noGrp="1"/>
+          </p:cNvGraphicFramePr>
+          <p:nvPr>
+            <p:extLst>
+              <p:ext uri="{D42A27DB-BD31-4B8C-83A1-F6EECF244321}">
+                <p14:modId xmlns:p14="http://schemas.microsoft.com/office/powerpoint/2010/main" val="2461104380"/>
+              </p:ext>
+            </p:extLst>
+          </p:nvPr>
+        </p:nvGraphicFramePr>
+        <p:xfrm>
+          <a:off x="120002" y="1065850"/>
+          <a:ext cx="6072240" cy="2021840"/>
+        </p:xfrm>
+        <a:graphic>
+          <a:graphicData uri="http://schemas.openxmlformats.org/drawingml/2006/table">
+            <a:tbl>
+              <a:tblPr firstRow="1" bandRow="1">
+                <a:tableStyleId>{5C22544A-7EE6-4342-B048-85BDC9FD1C3A}</a:tableStyleId>
+              </a:tblPr>
+              <a:tblGrid>
+                <a:gridCol w="1518060">
+                  <a:extLst>
+                    <a:ext uri="{9D8B030D-6E8A-4147-A177-3AD203B41FA5}">
+                      <a16:colId xmlns:a16="http://schemas.microsoft.com/office/drawing/2014/main" val="755969962"/>
+                    </a:ext>
+                  </a:extLst>
+                </a:gridCol>
+                <a:gridCol w="1518060">
+                  <a:extLst>
+                    <a:ext uri="{9D8B030D-6E8A-4147-A177-3AD203B41FA5}">
+                      <a16:colId xmlns:a16="http://schemas.microsoft.com/office/drawing/2014/main" val="4179380429"/>
+                    </a:ext>
+                  </a:extLst>
+                </a:gridCol>
+                <a:gridCol w="1518060">
+                  <a:extLst>
+                    <a:ext uri="{9D8B030D-6E8A-4147-A177-3AD203B41FA5}">
+                      <a16:colId xmlns:a16="http://schemas.microsoft.com/office/drawing/2014/main" val="497675320"/>
+                    </a:ext>
+                  </a:extLst>
+                </a:gridCol>
+                <a:gridCol w="1518060">
+                  <a:extLst>
+                    <a:ext uri="{9D8B030D-6E8A-4147-A177-3AD203B41FA5}">
+                      <a16:colId xmlns:a16="http://schemas.microsoft.com/office/drawing/2014/main" val="3012605256"/>
+                    </a:ext>
+                  </a:extLst>
+                </a:gridCol>
+              </a:tblGrid>
+              <a:tr h="370840">
+                <a:tc>
+                  <a:txBody>
+                    <a:bodyPr/>
+                    <a:lstStyle/>
+                    <a:p>
+                      <a:r>
+                        <a:rPr lang="en-US" dirty="0"/>
+                        <a:t>Model</a:t>
+                      </a:r>
+                    </a:p>
+                  </a:txBody>
+                  <a:tcPr/>
+                </a:tc>
+                <a:tc>
+                  <a:txBody>
+                    <a:bodyPr/>
+                    <a:lstStyle/>
+                    <a:p>
+                      <a:r>
+                        <a:rPr lang="en-US" dirty="0"/>
+                        <a:t>Precision</a:t>
+                      </a:r>
+                    </a:p>
+                  </a:txBody>
+                  <a:tcPr/>
+                </a:tc>
+                <a:tc>
+                  <a:txBody>
+                    <a:bodyPr/>
+                    <a:lstStyle/>
+                    <a:p>
+                      <a:r>
+                        <a:rPr lang="en-US" dirty="0"/>
+                        <a:t>Accuracy</a:t>
+                      </a:r>
+                    </a:p>
+                  </a:txBody>
+                  <a:tcPr/>
+                </a:tc>
+                <a:tc>
+                  <a:txBody>
+                    <a:bodyPr/>
+                    <a:lstStyle/>
+                    <a:p>
+                      <a:r>
+                        <a:rPr lang="en-US" dirty="0"/>
+                        <a:t>F1 Score</a:t>
+                      </a:r>
+                    </a:p>
+                  </a:txBody>
+                  <a:tcPr/>
+                </a:tc>
+                <a:extLst>
+                  <a:ext uri="{0D108BD9-81ED-4DB2-BD59-A6C34878D82A}">
+                    <a16:rowId xmlns:a16="http://schemas.microsoft.com/office/drawing/2014/main" val="3935249092"/>
+                  </a:ext>
+                </a:extLst>
+              </a:tr>
+              <a:tr h="370840">
+                <a:tc>
+                  <a:txBody>
+                    <a:bodyPr/>
+                    <a:lstStyle/>
+                    <a:p>
+                      <a:r>
+                        <a:rPr lang="en-US" dirty="0"/>
+                        <a:t>Random Forest </a:t>
+                      </a:r>
+                      <a:r>
+                        <a:rPr lang="en-US" dirty="0">
+                          <a:solidFill>
+                            <a:srgbClr val="FF0000"/>
+                          </a:solidFill>
+                        </a:rPr>
+                        <a:t>(0.73)</a:t>
+                      </a:r>
+                    </a:p>
+                  </a:txBody>
+                  <a:tcPr/>
+                </a:tc>
+                <a:tc>
+                  <a:txBody>
+                    <a:bodyPr/>
+                    <a:lstStyle/>
+                    <a:p>
+                      <a:r>
+                        <a:rPr lang="en-US" sz="1800" b="0" i="0" u="none" strike="noStrike" kern="1200" dirty="0">
+                          <a:solidFill>
+                            <a:schemeClr val="dk1"/>
+                          </a:solidFill>
+                          <a:effectLst/>
+                          <a:latin typeface="+mn-lt"/>
+                          <a:ea typeface="+mn-ea"/>
+                          <a:cs typeface="+mn-cs"/>
+                        </a:rPr>
+                        <a:t>0.99</a:t>
+                      </a:r>
+                      <a:endParaRPr lang="en-US" dirty="0"/>
+                    </a:p>
+                  </a:txBody>
+                  <a:tcPr/>
+                </a:tc>
+                <a:tc>
+                  <a:txBody>
+                    <a:bodyPr/>
+                    <a:lstStyle/>
+                    <a:p>
+                      <a:r>
+                        <a:rPr lang="en-US" dirty="0"/>
+                        <a:t>0.98</a:t>
+                      </a:r>
+                    </a:p>
+                  </a:txBody>
+                  <a:tcPr/>
+                </a:tc>
+                <a:tc>
+                  <a:txBody>
+                    <a:bodyPr/>
+                    <a:lstStyle/>
+                    <a:p>
+                      <a:r>
+                        <a:rPr lang="en-US" dirty="0"/>
+                        <a:t>0.97</a:t>
+                      </a:r>
+                    </a:p>
+                  </a:txBody>
+                  <a:tcPr/>
+                </a:tc>
+                <a:extLst>
+                  <a:ext uri="{0D108BD9-81ED-4DB2-BD59-A6C34878D82A}">
+                    <a16:rowId xmlns:a16="http://schemas.microsoft.com/office/drawing/2014/main" val="3554176192"/>
+                  </a:ext>
+                </a:extLst>
+              </a:tr>
+              <a:tr h="370840">
+                <a:tc>
+                  <a:txBody>
+                    <a:bodyPr/>
+                    <a:lstStyle/>
+                    <a:p>
+                      <a:r>
+                        <a:rPr lang="en-US" dirty="0"/>
+                        <a:t>KNN </a:t>
+                      </a:r>
+                      <a:r>
+                        <a:rPr lang="en-US" b="0" dirty="0">
+                          <a:solidFill>
+                            <a:srgbClr val="FF0000"/>
+                          </a:solidFill>
+                        </a:rPr>
+                        <a:t>(0.85)</a:t>
+                      </a:r>
+                    </a:p>
+                  </a:txBody>
+                  <a:tcPr/>
+                </a:tc>
+                <a:tc>
+                  <a:txBody>
+                    <a:bodyPr/>
+                    <a:lstStyle/>
+                    <a:p>
+                      <a:r>
+                        <a:rPr lang="en-US" dirty="0"/>
+                        <a:t>0.92</a:t>
+                      </a:r>
+                    </a:p>
+                  </a:txBody>
+                  <a:tcPr/>
+                </a:tc>
+                <a:tc>
+                  <a:txBody>
+                    <a:bodyPr/>
+                    <a:lstStyle/>
+                    <a:p>
+                      <a:r>
+                        <a:rPr lang="en-US" dirty="0"/>
+                        <a:t>0.90</a:t>
+                      </a:r>
+                    </a:p>
+                  </a:txBody>
+                  <a:tcPr/>
+                </a:tc>
+                <a:tc>
+                  <a:txBody>
+                    <a:bodyPr/>
+                    <a:lstStyle/>
+                    <a:p>
+                      <a:r>
+                        <a:rPr lang="en-US" dirty="0"/>
+                        <a:t>0.92</a:t>
+                      </a:r>
+                    </a:p>
+                  </a:txBody>
+                  <a:tcPr/>
+                </a:tc>
+                <a:extLst>
+                  <a:ext uri="{0D108BD9-81ED-4DB2-BD59-A6C34878D82A}">
+                    <a16:rowId xmlns:a16="http://schemas.microsoft.com/office/drawing/2014/main" val="3041813606"/>
+                  </a:ext>
+                </a:extLst>
+              </a:tr>
+              <a:tr h="370840">
+                <a:tc>
+                  <a:txBody>
+                    <a:bodyPr/>
+                    <a:lstStyle/>
+                    <a:p>
+                      <a:r>
+                        <a:rPr lang="en-US" dirty="0"/>
+                        <a:t>Decision Tree </a:t>
+                      </a:r>
+                      <a:r>
+                        <a:rPr lang="en-US" dirty="0">
+                          <a:solidFill>
+                            <a:srgbClr val="FF0000"/>
+                          </a:solidFill>
+                        </a:rPr>
+                        <a:t>(0.63)</a:t>
+                      </a:r>
+                    </a:p>
+                  </a:txBody>
+                  <a:tcPr/>
+                </a:tc>
+                <a:tc>
+                  <a:txBody>
+                    <a:bodyPr/>
+                    <a:lstStyle/>
+                    <a:p>
+                      <a:r>
+                        <a:rPr lang="en-US" dirty="0"/>
+                        <a:t>1.0</a:t>
+                      </a:r>
+                    </a:p>
+                  </a:txBody>
+                  <a:tcPr/>
+                </a:tc>
+                <a:tc>
+                  <a:txBody>
+                    <a:bodyPr/>
+                    <a:lstStyle/>
+                    <a:p>
+                      <a:r>
+                        <a:rPr lang="en-US" dirty="0"/>
+                        <a:t>1.0</a:t>
+                      </a:r>
+                    </a:p>
+                  </a:txBody>
+                  <a:tcPr/>
+                </a:tc>
+                <a:tc>
+                  <a:txBody>
+                    <a:bodyPr/>
+                    <a:lstStyle/>
+                    <a:p>
+                      <a:r>
+                        <a:rPr lang="en-US" dirty="0"/>
+                        <a:t>1.0</a:t>
+                      </a:r>
+                    </a:p>
+                  </a:txBody>
+                  <a:tcPr/>
+                </a:tc>
+                <a:extLst>
+                  <a:ext uri="{0D108BD9-81ED-4DB2-BD59-A6C34878D82A}">
+                    <a16:rowId xmlns:a16="http://schemas.microsoft.com/office/drawing/2014/main" val="3053280771"/>
+                  </a:ext>
+                </a:extLst>
+              </a:tr>
+            </a:tbl>
+          </a:graphicData>
+        </a:graphic>
+      </p:graphicFrame>
     </p:spTree>
     <p:extLst>
       <p:ext uri="{BB962C8B-B14F-4D97-AF65-F5344CB8AC3E}">
-        <p14:creationId xmlns:p14="http://schemas.microsoft.com/office/powerpoint/2010/main" val="665076868"/>
+        <p14:creationId xmlns:p14="http://schemas.microsoft.com/office/powerpoint/2010/main" val="25871680"/>
+      </p:ext>
+    </p:extLst>
+  </p:cSld>
+  <p:clrMapOvr>
+    <a:masterClrMapping/>
+  </p:clrMapOvr>
+</p:sld>
+</file>
+
+<file path=ppt/slides/slide9.xml><?xml version="1.0" encoding="utf-8"?>
+<p:sld xmlns:a="http://schemas.openxmlformats.org/drawingml/2006/main" xmlns:r="http://schemas.openxmlformats.org/officeDocument/2006/relationships" xmlns:p="http://schemas.openxmlformats.org/presentationml/2006/main">
+  <p:cSld>
+    <p:spTree>
+      <p:nvGrpSpPr>
+        <p:cNvPr id="1" name=""/>
+        <p:cNvGrpSpPr/>
+        <p:nvPr/>
+      </p:nvGrpSpPr>
+      <p:grpSpPr>
+        <a:xfrm>
+          <a:off x="0" y="0"/>
+          <a:ext cx="0" cy="0"/>
+          <a:chOff x="0" y="0"/>
+          <a:chExt cx="0" cy="0"/>
+        </a:xfrm>
+      </p:grpSpPr>
+      <p:sp>
+        <p:nvSpPr>
+          <p:cNvPr id="2" name="Title 1">
+            <a:extLst>
+              <a:ext uri="{FF2B5EF4-FFF2-40B4-BE49-F238E27FC236}">
+                <a16:creationId xmlns:a16="http://schemas.microsoft.com/office/drawing/2014/main" id="{6850E0B9-1F44-DA49-B637-210A1D86058D}"/>
+              </a:ext>
+            </a:extLst>
+          </p:cNvPr>
+          <p:cNvSpPr>
+            <a:spLocks noGrp="1"/>
+          </p:cNvSpPr>
+          <p:nvPr>
+            <p:ph type="title"/>
+          </p:nvPr>
+        </p:nvSpPr>
+        <p:spPr/>
+        <p:txBody>
+          <a:bodyPr/>
+          <a:lstStyle/>
+          <a:p>
+            <a:r>
+              <a:rPr lang="en-US" dirty="0"/>
+              <a:t>Conclusions</a:t>
+            </a:r>
+          </a:p>
+        </p:txBody>
+      </p:sp>
+      <p:sp>
+        <p:nvSpPr>
+          <p:cNvPr id="3" name="Content Placeholder 2">
+            <a:extLst>
+              <a:ext uri="{FF2B5EF4-FFF2-40B4-BE49-F238E27FC236}">
+                <a16:creationId xmlns:a16="http://schemas.microsoft.com/office/drawing/2014/main" id="{F28988AC-E03A-2048-B3CC-C29CC0ADB5E3}"/>
+              </a:ext>
+            </a:extLst>
+          </p:cNvPr>
+          <p:cNvSpPr>
+            <a:spLocks noGrp="1"/>
+          </p:cNvSpPr>
+          <p:nvPr>
+            <p:ph idx="1"/>
+          </p:nvPr>
+        </p:nvSpPr>
+        <p:spPr/>
+        <p:txBody>
+          <a:bodyPr/>
+          <a:lstStyle/>
+          <a:p>
+            <a:r>
+              <a:rPr lang="en-US" dirty="0"/>
+              <a:t>Industry or workplace was not a pivotal characteristic in predicting &gt;50k according to model</a:t>
+            </a:r>
+          </a:p>
+          <a:p>
+            <a:pPr lvl="1"/>
+            <a:r>
+              <a:rPr lang="en-US" dirty="0"/>
+              <a:t>Top 3 factors are AGE, MARRIED, EDUCATION</a:t>
+            </a:r>
+          </a:p>
+          <a:p>
+            <a:r>
+              <a:rPr lang="en-US" dirty="0"/>
+              <a:t>Highest precision of our models thus far is 0.9</a:t>
+            </a:r>
+          </a:p>
+          <a:p>
+            <a:r>
+              <a:rPr lang="en-US" dirty="0"/>
+              <a:t>Minimize overall cost by lowering the initial amount deployed, but iterating over multiple rounds to make sure people are taken care of</a:t>
+            </a:r>
+          </a:p>
+          <a:p>
+            <a:pPr lvl="1"/>
+            <a:endParaRPr lang="en-US" dirty="0"/>
+          </a:p>
+          <a:p>
+            <a:pPr lvl="1"/>
+            <a:endParaRPr lang="en-US" dirty="0"/>
+          </a:p>
+        </p:txBody>
+      </p:sp>
+    </p:spTree>
+    <p:extLst>
+      <p:ext uri="{BB962C8B-B14F-4D97-AF65-F5344CB8AC3E}">
+        <p14:creationId xmlns:p14="http://schemas.microsoft.com/office/powerpoint/2010/main" val="1499698676"/>
       </p:ext>
     </p:extLst>
   </p:cSld>
@@ -4197,4 +5865,299 @@
     </a:ext>
   </a:extLst>
 </a:theme>
+</file>
+
+<file path=ppt/theme/theme2.xml><?xml version="1.0" encoding="utf-8"?>
+<a:theme xmlns:a="http://schemas.openxmlformats.org/drawingml/2006/main" name="Office Theme">
+  <a:themeElements>
+    <a:clrScheme name="Office">
+      <a:dk1>
+        <a:sysClr val="windowText" lastClr="000000"/>
+      </a:dk1>
+      <a:lt1>
+        <a:sysClr val="window" lastClr="FFFFFF"/>
+      </a:lt1>
+      <a:dk2>
+        <a:srgbClr val="44546A"/>
+      </a:dk2>
+      <a:lt2>
+        <a:srgbClr val="E7E6E6"/>
+      </a:lt2>
+      <a:accent1>
+        <a:srgbClr val="4472C4"/>
+      </a:accent1>
+      <a:accent2>
+        <a:srgbClr val="ED7D31"/>
+      </a:accent2>
+      <a:accent3>
+        <a:srgbClr val="A5A5A5"/>
+      </a:accent3>
+      <a:accent4>
+        <a:srgbClr val="FFC000"/>
+      </a:accent4>
+      <a:accent5>
+        <a:srgbClr val="5B9BD5"/>
+      </a:accent5>
+      <a:accent6>
+        <a:srgbClr val="70AD47"/>
+      </a:accent6>
+      <a:hlink>
+        <a:srgbClr val="0563C1"/>
+      </a:hlink>
+      <a:folHlink>
+        <a:srgbClr val="954F72"/>
+      </a:folHlink>
+    </a:clrScheme>
+    <a:fontScheme name="Office">
+      <a:majorFont>
+        <a:latin typeface="Calibri Light" panose="020F0302020204030204"/>
+        <a:ea typeface=""/>
+        <a:cs typeface=""/>
+        <a:font script="Jpan" typeface="游ゴシック Light"/>
+        <a:font script="Hang" typeface="맑은 고딕"/>
+        <a:font script="Hans" typeface="等线 Light"/>
+        <a:font script="Hant" typeface="新細明體"/>
+        <a:font script="Arab" typeface="Times New Roman"/>
+        <a:font script="Hebr" typeface="Times New Roman"/>
+        <a:font script="Thai" typeface="Angsana New"/>
+        <a:font script="Ethi" typeface="Nyala"/>
+        <a:font script="Beng" typeface="Vrinda"/>
+        <a:font script="Gujr" typeface="Shruti"/>
+        <a:font script="Khmr" typeface="MoolBoran"/>
+        <a:font script="Knda" typeface="Tunga"/>
+        <a:font script="Guru" typeface="Raavi"/>
+        <a:font script="Cans" typeface="Euphemia"/>
+        <a:font script="Cher" typeface="Plantagenet Cherokee"/>
+        <a:font script="Yiii" typeface="Microsoft Yi Baiti"/>
+        <a:font script="Tibt" typeface="Microsoft Himalaya"/>
+        <a:font script="Thaa" typeface="MV Boli"/>
+        <a:font script="Deva" typeface="Mangal"/>
+        <a:font script="Telu" typeface="Gautami"/>
+        <a:font script="Taml" typeface="Latha"/>
+        <a:font script="Syrc" typeface="Estrangelo Edessa"/>
+        <a:font script="Orya" typeface="Kalinga"/>
+        <a:font script="Mlym" typeface="Kartika"/>
+        <a:font script="Laoo" typeface="DokChampa"/>
+        <a:font script="Sinh" typeface="Iskoola Pota"/>
+        <a:font script="Mong" typeface="Mongolian Baiti"/>
+        <a:font script="Viet" typeface="Times New Roman"/>
+        <a:font script="Uigh" typeface="Microsoft Uighur"/>
+        <a:font script="Geor" typeface="Sylfaen"/>
+        <a:font script="Armn" typeface="Arial"/>
+        <a:font script="Bugi" typeface="Leelawadee UI"/>
+        <a:font script="Bopo" typeface="Microsoft JhengHei"/>
+        <a:font script="Java" typeface="Javanese Text"/>
+        <a:font script="Lisu" typeface="Segoe UI"/>
+        <a:font script="Mymr" typeface="Myanmar Text"/>
+        <a:font script="Nkoo" typeface="Ebrima"/>
+        <a:font script="Olck" typeface="Nirmala UI"/>
+        <a:font script="Osma" typeface="Ebrima"/>
+        <a:font script="Phag" typeface="Phagspa"/>
+        <a:font script="Syrn" typeface="Estrangelo Edessa"/>
+        <a:font script="Syrj" typeface="Estrangelo Edessa"/>
+        <a:font script="Syre" typeface="Estrangelo Edessa"/>
+        <a:font script="Sora" typeface="Nirmala UI"/>
+        <a:font script="Tale" typeface="Microsoft Tai Le"/>
+        <a:font script="Talu" typeface="Microsoft New Tai Lue"/>
+        <a:font script="Tfng" typeface="Ebrima"/>
+      </a:majorFont>
+      <a:minorFont>
+        <a:latin typeface="Calibri" panose="020F0502020204030204"/>
+        <a:ea typeface=""/>
+        <a:cs typeface=""/>
+        <a:font script="Jpan" typeface="游ゴシック"/>
+        <a:font script="Hang" typeface="맑은 고딕"/>
+        <a:font script="Hans" typeface="等线"/>
+        <a:font script="Hant" typeface="新細明體"/>
+        <a:font script="Arab" typeface="Arial"/>
+        <a:font script="Hebr" typeface="Arial"/>
+        <a:font script="Thai" typeface="Cordia New"/>
+        <a:font script="Ethi" typeface="Nyala"/>
+        <a:font script="Beng" typeface="Vrinda"/>
+        <a:font script="Gujr" typeface="Shruti"/>
+        <a:font script="Khmr" typeface="DaunPenh"/>
+        <a:font script="Knda" typeface="Tunga"/>
+        <a:font script="Guru" typeface="Raavi"/>
+        <a:font script="Cans" typeface="Euphemia"/>
+        <a:font script="Cher" typeface="Plantagenet Cherokee"/>
+        <a:font script="Yiii" typeface="Microsoft Yi Baiti"/>
+        <a:font script="Tibt" typeface="Microsoft Himalaya"/>
+        <a:font script="Thaa" typeface="MV Boli"/>
+        <a:font script="Deva" typeface="Mangal"/>
+        <a:font script="Telu" typeface="Gautami"/>
+        <a:font script="Taml" typeface="Latha"/>
+        <a:font script="Syrc" typeface="Estrangelo Edessa"/>
+        <a:font script="Orya" typeface="Kalinga"/>
+        <a:font script="Mlym" typeface="Kartika"/>
+        <a:font script="Laoo" typeface="DokChampa"/>
+        <a:font script="Sinh" typeface="Iskoola Pota"/>
+        <a:font script="Mong" typeface="Mongolian Baiti"/>
+        <a:font script="Viet" typeface="Arial"/>
+        <a:font script="Uigh" typeface="Microsoft Uighur"/>
+        <a:font script="Geor" typeface="Sylfaen"/>
+        <a:font script="Armn" typeface="Arial"/>
+        <a:font script="Bugi" typeface="Leelawadee UI"/>
+        <a:font script="Bopo" typeface="Microsoft JhengHei"/>
+        <a:font script="Java" typeface="Javanese Text"/>
+        <a:font script="Lisu" typeface="Segoe UI"/>
+        <a:font script="Mymr" typeface="Myanmar Text"/>
+        <a:font script="Nkoo" typeface="Ebrima"/>
+        <a:font script="Olck" typeface="Nirmala UI"/>
+        <a:font script="Osma" typeface="Ebrima"/>
+        <a:font script="Phag" typeface="Phagspa"/>
+        <a:font script="Syrn" typeface="Estrangelo Edessa"/>
+        <a:font script="Syrj" typeface="Estrangelo Edessa"/>
+        <a:font script="Syre" typeface="Estrangelo Edessa"/>
+        <a:font script="Sora" typeface="Nirmala UI"/>
+        <a:font script="Tale" typeface="Microsoft Tai Le"/>
+        <a:font script="Talu" typeface="Microsoft New Tai Lue"/>
+        <a:font script="Tfng" typeface="Ebrima"/>
+      </a:minorFont>
+    </a:fontScheme>
+    <a:fmtScheme name="Office">
+      <a:fillStyleLst>
+        <a:solidFill>
+          <a:schemeClr val="phClr"/>
+        </a:solidFill>
+        <a:gradFill rotWithShape="1">
+          <a:gsLst>
+            <a:gs pos="0">
+              <a:schemeClr val="phClr">
+                <a:lumMod val="110000"/>
+                <a:satMod val="105000"/>
+                <a:tint val="67000"/>
+              </a:schemeClr>
+            </a:gs>
+            <a:gs pos="50000">
+              <a:schemeClr val="phClr">
+                <a:lumMod val="105000"/>
+                <a:satMod val="103000"/>
+                <a:tint val="73000"/>
+              </a:schemeClr>
+            </a:gs>
+            <a:gs pos="100000">
+              <a:schemeClr val="phClr">
+                <a:lumMod val="105000"/>
+                <a:satMod val="109000"/>
+                <a:tint val="81000"/>
+              </a:schemeClr>
+            </a:gs>
+          </a:gsLst>
+          <a:lin ang="5400000" scaled="0"/>
+        </a:gradFill>
+        <a:gradFill rotWithShape="1">
+          <a:gsLst>
+            <a:gs pos="0">
+              <a:schemeClr val="phClr">
+                <a:satMod val="103000"/>
+                <a:lumMod val="102000"/>
+                <a:tint val="94000"/>
+              </a:schemeClr>
+            </a:gs>
+            <a:gs pos="50000">
+              <a:schemeClr val="phClr">
+                <a:satMod val="110000"/>
+                <a:lumMod val="100000"/>
+                <a:shade val="100000"/>
+              </a:schemeClr>
+            </a:gs>
+            <a:gs pos="100000">
+              <a:schemeClr val="phClr">
+                <a:lumMod val="99000"/>
+                <a:satMod val="120000"/>
+                <a:shade val="78000"/>
+              </a:schemeClr>
+            </a:gs>
+          </a:gsLst>
+          <a:lin ang="5400000" scaled="0"/>
+        </a:gradFill>
+      </a:fillStyleLst>
+      <a:lnStyleLst>
+        <a:ln w="6350" cap="flat" cmpd="sng" algn="ctr">
+          <a:solidFill>
+            <a:schemeClr val="phClr"/>
+          </a:solidFill>
+          <a:prstDash val="solid"/>
+          <a:miter lim="800000"/>
+        </a:ln>
+        <a:ln w="12700" cap="flat" cmpd="sng" algn="ctr">
+          <a:solidFill>
+            <a:schemeClr val="phClr"/>
+          </a:solidFill>
+          <a:prstDash val="solid"/>
+          <a:miter lim="800000"/>
+        </a:ln>
+        <a:ln w="19050" cap="flat" cmpd="sng" algn="ctr">
+          <a:solidFill>
+            <a:schemeClr val="phClr"/>
+          </a:solidFill>
+          <a:prstDash val="solid"/>
+          <a:miter lim="800000"/>
+        </a:ln>
+      </a:lnStyleLst>
+      <a:effectStyleLst>
+        <a:effectStyle>
+          <a:effectLst/>
+        </a:effectStyle>
+        <a:effectStyle>
+          <a:effectLst/>
+        </a:effectStyle>
+        <a:effectStyle>
+          <a:effectLst>
+            <a:outerShdw blurRad="57150" dist="19050" dir="5400000" algn="ctr" rotWithShape="0">
+              <a:srgbClr val="000000">
+                <a:alpha val="63000"/>
+              </a:srgbClr>
+            </a:outerShdw>
+          </a:effectLst>
+        </a:effectStyle>
+      </a:effectStyleLst>
+      <a:bgFillStyleLst>
+        <a:solidFill>
+          <a:schemeClr val="phClr"/>
+        </a:solidFill>
+        <a:solidFill>
+          <a:schemeClr val="phClr">
+            <a:tint val="95000"/>
+            <a:satMod val="170000"/>
+          </a:schemeClr>
+        </a:solidFill>
+        <a:gradFill rotWithShape="1">
+          <a:gsLst>
+            <a:gs pos="0">
+              <a:schemeClr val="phClr">
+                <a:tint val="93000"/>
+                <a:satMod val="150000"/>
+                <a:shade val="98000"/>
+                <a:lumMod val="102000"/>
+              </a:schemeClr>
+            </a:gs>
+            <a:gs pos="50000">
+              <a:schemeClr val="phClr">
+                <a:tint val="98000"/>
+                <a:satMod val="130000"/>
+                <a:shade val="90000"/>
+                <a:lumMod val="103000"/>
+              </a:schemeClr>
+            </a:gs>
+            <a:gs pos="100000">
+              <a:schemeClr val="phClr">
+                <a:shade val="63000"/>
+                <a:satMod val="120000"/>
+              </a:schemeClr>
+            </a:gs>
+          </a:gsLst>
+          <a:lin ang="5400000" scaled="0"/>
+        </a:gradFill>
+      </a:bgFillStyleLst>
+    </a:fmtScheme>
+  </a:themeElements>
+  <a:objectDefaults/>
+  <a:extraClrSchemeLst/>
+  <a:extLst>
+    <a:ext uri="{05A4C25C-085E-4340-85A3-A5531E510DB2}">
+      <thm15:themeFamily xmlns:thm15="http://schemas.microsoft.com/office/thememl/2012/main" name="Office Theme" id="{62F939B6-93AF-4DB8-9C6B-D6C7DFDC589F}" vid="{4A3C46E8-61CC-4603-A589-7422A47A8E4A}"/>
+    </a:ext>
+  </a:extLst>
+</a:theme>
 </file>